--- a/Shubham Raj_DotnetCoreAngular_Profile.pptx
+++ b/Shubham Raj_DotnetCoreAngular_Profile.pptx
@@ -25202,36 +25202,36 @@
             </a:pPr>
             <a:r>
               <a:rPr lang="en-US" sz="1200" dirty="0">
-                <a:latin typeface="Times New Roman" panose="02020603050405020304"/>
+                <a:latin typeface="+mn-lt"/>
                 <a:ea typeface="Times New Roman" panose="02020603050405020304"/>
-                <a:cs typeface="Times New Roman" panose="02020603050405020304"/>
+                <a:cs typeface="Times New Roman" panose="02020603050405020304" pitchFamily="18" charset="0"/>
                 <a:sym typeface="Times New Roman" panose="02020603050405020304"/>
               </a:rPr>
               <a:t>Completed case study on </a:t>
             </a:r>
             <a:r>
               <a:rPr lang="en-IN" altLang="en-US" sz="1200" b="1" dirty="0">
-                <a:latin typeface="Times New Roman" panose="02020603050405020304"/>
+                <a:latin typeface="+mn-lt"/>
                 <a:ea typeface="Times New Roman" panose="02020603050405020304"/>
-                <a:cs typeface="Times New Roman" panose="02020603050405020304"/>
+                <a:cs typeface="Times New Roman" panose="02020603050405020304" pitchFamily="18" charset="0"/>
                 <a:sym typeface="Times New Roman" panose="02020603050405020304"/>
               </a:rPr>
               <a:t>Railway Reservation</a:t>
             </a:r>
             <a:r>
               <a:rPr lang="en-US" sz="1200" b="1" dirty="0">
-                <a:latin typeface="Times New Roman" panose="02020603050405020304"/>
+                <a:latin typeface="+mn-lt"/>
                 <a:ea typeface="Times New Roman" panose="02020603050405020304"/>
-                <a:cs typeface="Times New Roman" panose="02020603050405020304"/>
+                <a:cs typeface="Times New Roman" panose="02020603050405020304" pitchFamily="18" charset="0"/>
                 <a:sym typeface="Times New Roman" panose="02020603050405020304"/>
               </a:rPr>
               <a:t> </a:t>
             </a:r>
             <a:r>
               <a:rPr lang="en-US" sz="1200" dirty="0">
-                <a:latin typeface="Times New Roman" panose="02020603050405020304"/>
+                <a:latin typeface="+mn-lt"/>
                 <a:ea typeface="Times New Roman" panose="02020603050405020304"/>
-                <a:cs typeface="Times New Roman" panose="02020603050405020304"/>
+                <a:cs typeface="Times New Roman" panose="02020603050405020304" pitchFamily="18" charset="0"/>
                 <a:sym typeface="Times New Roman" panose="02020603050405020304"/>
               </a:rPr>
               <a:t>which </a:t>
@@ -25241,9 +25241,9 @@
                 <a:solidFill>
                   <a:srgbClr val="242424"/>
                 </a:solidFill>
-                <a:latin typeface="Times New Roman" panose="02020603050405020304"/>
+                <a:latin typeface="+mn-lt"/>
                 <a:ea typeface="Times New Roman" panose="02020603050405020304"/>
-                <a:cs typeface="Times New Roman" panose="02020603050405020304"/>
+                <a:cs typeface="Times New Roman" panose="02020603050405020304" pitchFamily="18" charset="0"/>
                 <a:sym typeface="Times New Roman" panose="02020603050405020304"/>
               </a:rPr>
               <a:t>is a Web-based System.</a:t>
@@ -25253,9 +25253,9 @@
                 <a:solidFill>
                   <a:srgbClr val="242424"/>
                 </a:solidFill>
-                <a:latin typeface="Times New Roman" panose="02020603050405020304"/>
+                <a:latin typeface="+mn-lt"/>
                 <a:ea typeface="Times New Roman" panose="02020603050405020304"/>
-                <a:cs typeface="Times New Roman" panose="02020603050405020304"/>
+                <a:cs typeface="Times New Roman" panose="02020603050405020304" pitchFamily="18" charset="0"/>
                 <a:sym typeface="Times New Roman" panose="02020603050405020304"/>
               </a:rPr>
               <a:t> The traditional way of booking a ticket is very time-consuming and cancellation is also a long process. The existing system has Latency while we search for train details. The existing system also gets crashed many times while booking a ticket. So, we will design a system which will enable the booking in any class, and a maximum of six berths/seats at a time, for a journey between any two stations served by a train.</a:t>
@@ -25283,17 +25283,17 @@
                 <a:solidFill>
                   <a:srgbClr val="242424"/>
                 </a:solidFill>
-                <a:latin typeface="Times New Roman" panose="02020603050405020304"/>
+                <a:latin typeface="+mn-lt"/>
                 <a:ea typeface="Times New Roman" panose="02020603050405020304"/>
-                <a:cs typeface="Times New Roman" panose="02020603050405020304"/>
+                <a:cs typeface="Times New Roman" panose="02020603050405020304" pitchFamily="18" charset="0"/>
                 <a:sym typeface="Times New Roman" panose="02020603050405020304"/>
               </a:rPr>
               <a:t>Technologies used:</a:t>
             </a:r>
             <a:endParaRPr sz="1200" dirty="0">
-              <a:latin typeface="Times New Roman" panose="02020603050405020304"/>
+              <a:latin typeface="+mn-lt"/>
               <a:ea typeface="Times New Roman" panose="02020603050405020304"/>
-              <a:cs typeface="Times New Roman" panose="02020603050405020304"/>
+              <a:cs typeface="Times New Roman" panose="02020603050405020304" pitchFamily="18" charset="0"/>
               <a:sym typeface="Times New Roman" panose="02020603050405020304"/>
             </a:endParaRPr>
           </a:p>
@@ -25320,9 +25320,9 @@
                 <a:solidFill>
                   <a:srgbClr val="242424"/>
                 </a:solidFill>
-                <a:latin typeface="Times New Roman" panose="02020603050405020304"/>
+                <a:latin typeface="+mn-lt"/>
                 <a:ea typeface="Times New Roman" panose="02020603050405020304"/>
-                <a:cs typeface="Times New Roman" panose="02020603050405020304"/>
+                <a:cs typeface="Times New Roman" panose="02020603050405020304" pitchFamily="18" charset="0"/>
                 <a:sym typeface="Times New Roman" panose="02020603050405020304"/>
               </a:rPr>
               <a:t> </a:t>
@@ -25332,9 +25332,9 @@
                 <a:solidFill>
                   <a:srgbClr val="242424"/>
                 </a:solidFill>
-                <a:latin typeface="Times New Roman" panose="02020603050405020304"/>
+                <a:latin typeface="+mn-lt"/>
                 <a:ea typeface="Times New Roman" panose="02020603050405020304"/>
-                <a:cs typeface="Times New Roman" panose="02020603050405020304"/>
+                <a:cs typeface="Times New Roman" panose="02020603050405020304" pitchFamily="18" charset="0"/>
                 <a:sym typeface="Times New Roman" panose="02020603050405020304"/>
               </a:rPr>
               <a:t>ANGULAR </a:t>
@@ -25363,9 +25363,9 @@
                 <a:solidFill>
                   <a:srgbClr val="242424"/>
                 </a:solidFill>
-                <a:latin typeface="Times New Roman" panose="02020603050405020304"/>
+                <a:latin typeface="+mn-lt"/>
                 <a:ea typeface="Times New Roman" panose="02020603050405020304"/>
-                <a:cs typeface="Times New Roman" panose="02020603050405020304"/>
+                <a:cs typeface="Times New Roman" panose="02020603050405020304" pitchFamily="18" charset="0"/>
                 <a:sym typeface="Times New Roman" panose="02020603050405020304"/>
               </a:rPr>
               <a:t>ASP.NET CORE </a:t>
@@ -25394,15 +25394,66 @@
                 <a:solidFill>
                   <a:srgbClr val="242424"/>
                 </a:solidFill>
-                <a:latin typeface="Times New Roman" panose="02020603050405020304"/>
+                <a:latin typeface="+mn-lt"/>
                 <a:ea typeface="Times New Roman" panose="02020603050405020304"/>
-                <a:cs typeface="Times New Roman" panose="02020603050405020304"/>
+                <a:cs typeface="Times New Roman" panose="02020603050405020304" pitchFamily="18" charset="0"/>
                 <a:sym typeface="Times New Roman" panose="02020603050405020304"/>
               </a:rPr>
               <a:t>Microsoft SQL Server</a:t>
             </a:r>
           </a:p>
           <a:p>
+            <a:pPr marL="0" lvl="0" indent="0" algn="just" rtl="0">
+              <a:lnSpc>
+                <a:spcPct val="100000"/>
+              </a:lnSpc>
+              <a:spcBef>
+                <a:spcPts val="1000"/>
+              </a:spcBef>
+              <a:spcAft>
+                <a:spcPts val="0"/>
+              </a:spcAft>
+              <a:buClr>
+                <a:srgbClr val="242424"/>
+              </a:buClr>
+              <a:buSzPts val="1000"/>
+            </a:pPr>
+            <a:r>
+              <a:rPr lang="en-US" b="1" dirty="0">
+                <a:solidFill>
+                  <a:srgbClr val="242424"/>
+                </a:solidFill>
+                <a:latin typeface="+mn-lt"/>
+                <a:ea typeface="Times New Roman" panose="02020603050405020304"/>
+                <a:cs typeface="Times New Roman" panose="02020603050405020304" pitchFamily="18" charset="0"/>
+                <a:sym typeface="Times New Roman" panose="02020603050405020304"/>
+              </a:rPr>
+              <a:t>Video Link - </a:t>
+            </a:r>
+            <a:r>
+              <a:rPr lang="en-US" b="1" dirty="0">
+                <a:solidFill>
+                  <a:srgbClr val="242424"/>
+                </a:solidFill>
+                <a:latin typeface="+mn-lt"/>
+                <a:ea typeface="Times New Roman" panose="02020603050405020304"/>
+                <a:cs typeface="Times New Roman" panose="02020603050405020304" pitchFamily="18" charset="0"/>
+                <a:sym typeface="Times New Roman" panose="02020603050405020304"/>
+                <a:hlinkClick r:id="rId3"/>
+              </a:rPr>
+              <a:t>Link</a:t>
+            </a:r>
+            <a:endParaRPr lang="en-US" b="1" dirty="0">
+              <a:solidFill>
+                <a:srgbClr val="242424"/>
+              </a:solidFill>
+              <a:latin typeface="+mn-lt"/>
+              <a:ea typeface="Times New Roman" panose="02020603050405020304"/>
+              <a:cs typeface="Times New Roman" panose="02020603050405020304" pitchFamily="18" charset="0"/>
+              <a:sym typeface="Times New Roman" panose="02020603050405020304"/>
+            </a:endParaRPr>
+          </a:p>
+          <a:p>
             <a:pPr marL="0" lvl="0" indent="228600" algn="just" rtl="0">
               <a:lnSpc>
                 <a:spcPct val="100000"/>
@@ -25423,9 +25474,9 @@
               <a:solidFill>
                 <a:srgbClr val="242424"/>
               </a:solidFill>
-              <a:latin typeface="Times New Roman" panose="02020603050405020304"/>
+              <a:latin typeface="+mn-lt"/>
               <a:ea typeface="Times New Roman" panose="02020603050405020304"/>
-              <a:cs typeface="Times New Roman" panose="02020603050405020304"/>
+              <a:cs typeface="Times New Roman" panose="02020603050405020304" pitchFamily="18" charset="0"/>
               <a:sym typeface="Times New Roman" panose="02020603050405020304"/>
             </a:endParaRPr>
           </a:p>
@@ -25448,27 +25499,24 @@
             </a:pPr>
             <a:r>
               <a:rPr lang="en-US" dirty="0">
-                <a:latin typeface="Verdana" panose="020B0604030504040204"/>
-                <a:ea typeface="Verdana" panose="020B0604030504040204"/>
-                <a:cs typeface="Verdana" panose="020B0604030504040204"/>
+                <a:latin typeface="+mn-lt"/>
+                <a:cs typeface="Times New Roman" panose="02020603050405020304" pitchFamily="18" charset="0"/>
                 <a:sym typeface="Verdana" panose="020B0604030504040204"/>
               </a:rPr>
-              <a:t> </a:t>
+              <a:t>-  </a:t>
             </a:r>
             <a:r>
               <a:rPr lang="en-US" dirty="0">
-                <a:latin typeface="Verdana" panose="020B0604030504040204"/>
-                <a:ea typeface="Verdana" panose="020B0604030504040204"/>
-                <a:cs typeface="Verdana" panose="020B0604030504040204"/>
+                <a:latin typeface="+mn-lt"/>
+                <a:cs typeface="Times New Roman" panose="02020603050405020304" pitchFamily="18" charset="0"/>
                 <a:sym typeface="Verdana" panose="020B0604030504040204"/>
-                <a:hlinkClick r:id="rId3" action="ppaction://hlinkfile"/>
+                <a:hlinkClick r:id="rId4" action="ppaction://hlinkfile"/>
               </a:rPr>
               <a:t>Link</a:t>
             </a:r>
             <a:endParaRPr lang="en-US" dirty="0">
-              <a:latin typeface="Verdana" panose="020B0604030504040204"/>
-              <a:ea typeface="Verdana" panose="020B0604030504040204"/>
-              <a:cs typeface="Verdana" panose="020B0604030504040204"/>
+              <a:latin typeface="+mn-lt"/>
+              <a:cs typeface="Times New Roman" panose="02020603050405020304" pitchFamily="18" charset="0"/>
               <a:sym typeface="Verdana" panose="020B0604030504040204"/>
             </a:endParaRPr>
           </a:p>
@@ -25493,9 +25541,8 @@
               <a:solidFill>
                 <a:srgbClr val="000000"/>
               </a:solidFill>
-              <a:latin typeface="Verdana" panose="020B0604030504040204"/>
-              <a:ea typeface="Verdana" panose="020B0604030504040204"/>
-              <a:cs typeface="Verdana" panose="020B0604030504040204"/>
+              <a:latin typeface="+mn-lt"/>
+              <a:cs typeface="Times New Roman" panose="02020603050405020304" pitchFamily="18" charset="0"/>
               <a:sym typeface="Verdana" panose="020B0604030504040204"/>
             </a:endParaRPr>
           </a:p>
@@ -25516,7 +25563,10 @@
               <a:buSzPts val="1000"/>
               <a:buNone/>
             </a:pPr>
-            <a:endParaRPr b="1" dirty="0"/>
+            <a:endParaRPr b="1" dirty="0">
+              <a:latin typeface="+mn-lt"/>
+              <a:cs typeface="Times New Roman" panose="02020603050405020304" pitchFamily="18" charset="0"/>
+            </a:endParaRPr>
           </a:p>
           <a:p>
             <a:pPr marL="0" lvl="0" indent="0" algn="l" rtl="0">
@@ -25536,10 +25586,16 @@
               <a:buNone/>
             </a:pPr>
             <a:r>
-              <a:rPr lang="en-US" b="1" dirty="0"/>
+              <a:rPr lang="en-US" b="1" dirty="0">
+                <a:latin typeface="+mn-lt"/>
+                <a:cs typeface="Times New Roman" panose="02020603050405020304" pitchFamily="18" charset="0"/>
+              </a:rPr>
               <a:t> </a:t>
             </a:r>
-            <a:endParaRPr b="1" dirty="0"/>
+            <a:endParaRPr b="1" dirty="0">
+              <a:latin typeface="+mn-lt"/>
+              <a:cs typeface="Times New Roman" panose="02020603050405020304" pitchFamily="18" charset="0"/>
+            </a:endParaRPr>
           </a:p>
           <a:p>
             <a:pPr marL="0" lvl="0" indent="0" algn="l" rtl="0">
@@ -25558,7 +25614,10 @@
               <a:buSzPts val="1000"/>
               <a:buNone/>
             </a:pPr>
-            <a:endParaRPr b="1" dirty="0"/>
+            <a:endParaRPr b="1" dirty="0">
+              <a:latin typeface="+mn-lt"/>
+              <a:cs typeface="Times New Roman" panose="02020603050405020304" pitchFamily="18" charset="0"/>
+            </a:endParaRPr>
           </a:p>
           <a:p>
             <a:pPr marL="0" lvl="0" indent="0" algn="l" rtl="0">
@@ -25577,7 +25636,10 @@
               <a:buSzPts val="1000"/>
               <a:buNone/>
             </a:pPr>
-            <a:endParaRPr b="1" dirty="0"/>
+            <a:endParaRPr b="1" dirty="0">
+              <a:latin typeface="+mn-lt"/>
+              <a:cs typeface="Times New Roman" panose="02020603050405020304" pitchFamily="18" charset="0"/>
+            </a:endParaRPr>
           </a:p>
           <a:p>
             <a:pPr marL="0" lvl="0" indent="0" algn="l" rtl="0">
@@ -25597,7 +25659,10 @@
               <a:buNone/>
             </a:pPr>
             <a:r>
-              <a:rPr lang="en-US" dirty="0"/>
+              <a:rPr lang="en-US" dirty="0">
+                <a:latin typeface="+mn-lt"/>
+                <a:cs typeface="Times New Roman" panose="02020603050405020304" pitchFamily="18" charset="0"/>
+              </a:rPr>
               <a:t>https://github.com/sdsameer07</a:t>
             </a:r>
           </a:p>
@@ -25618,7 +25683,10 @@
               <a:buSzPts val="1000"/>
               <a:buNone/>
             </a:pPr>
-            <a:endParaRPr lang="en-US" dirty="0"/>
+            <a:endParaRPr lang="en-US" dirty="0">
+              <a:latin typeface="+mn-lt"/>
+              <a:cs typeface="Times New Roman" panose="02020603050405020304" pitchFamily="18" charset="0"/>
+            </a:endParaRPr>
           </a:p>
           <a:p>
             <a:pPr marL="0" lvl="0" indent="0" algn="l" rtl="0">
@@ -25637,7 +25705,10 @@
               <a:buSzPts val="1000"/>
               <a:buNone/>
             </a:pPr>
-            <a:endParaRPr lang="en-US" dirty="0"/>
+            <a:endParaRPr lang="en-US" dirty="0">
+              <a:latin typeface="+mn-lt"/>
+              <a:cs typeface="Times New Roman" panose="02020603050405020304" pitchFamily="18" charset="0"/>
+            </a:endParaRPr>
           </a:p>
           <a:p>
             <a:pPr marL="0" lvl="0" indent="0" algn="l" rtl="0">
@@ -25656,7 +25727,10 @@
               <a:buSzPts val="1000"/>
               <a:buNone/>
             </a:pPr>
-            <a:endParaRPr lang="en-US" dirty="0"/>
+            <a:endParaRPr lang="en-US" dirty="0">
+              <a:latin typeface="+mn-lt"/>
+              <a:cs typeface="Times New Roman" panose="02020603050405020304" pitchFamily="18" charset="0"/>
+            </a:endParaRPr>
           </a:p>
           <a:p>
             <a:pPr marL="0" lvl="0" indent="0" algn="l" rtl="0">
@@ -25675,7 +25749,10 @@
               <a:buSzPts val="1000"/>
               <a:buNone/>
             </a:pPr>
-            <a:endParaRPr lang="en-US" dirty="0"/>
+            <a:endParaRPr lang="en-US" dirty="0">
+              <a:latin typeface="+mn-lt"/>
+              <a:cs typeface="Times New Roman" panose="02020603050405020304" pitchFamily="18" charset="0"/>
+            </a:endParaRPr>
           </a:p>
           <a:p>
             <a:pPr marL="0" lvl="0" indent="0" algn="l" rtl="0">
@@ -25694,7 +25771,10 @@
               <a:buSzPts val="1000"/>
               <a:buNone/>
             </a:pPr>
-            <a:endParaRPr lang="en-US" dirty="0"/>
+            <a:endParaRPr lang="en-US" dirty="0">
+              <a:latin typeface="+mn-lt"/>
+              <a:cs typeface="Times New Roman" panose="02020603050405020304" pitchFamily="18" charset="0"/>
+            </a:endParaRPr>
           </a:p>
           <a:p>
             <a:pPr marL="0" lvl="0" indent="0" algn="l" rtl="0">
@@ -25713,7 +25793,10 @@
               <a:buSzPts val="1000"/>
               <a:buNone/>
             </a:pPr>
-            <a:endParaRPr lang="en-US" dirty="0"/>
+            <a:endParaRPr lang="en-US" dirty="0">
+              <a:latin typeface="+mn-lt"/>
+              <a:cs typeface="Times New Roman" panose="02020603050405020304" pitchFamily="18" charset="0"/>
+            </a:endParaRPr>
           </a:p>
           <a:p>
             <a:pPr marL="0" lvl="0" indent="0" algn="l" rtl="0">
@@ -25732,7 +25815,10 @@
               <a:buSzPts val="1000"/>
               <a:buNone/>
             </a:pPr>
-            <a:endParaRPr lang="en-US" dirty="0"/>
+            <a:endParaRPr lang="en-US" dirty="0">
+              <a:latin typeface="+mn-lt"/>
+              <a:cs typeface="Times New Roman" panose="02020603050405020304" pitchFamily="18" charset="0"/>
+            </a:endParaRPr>
           </a:p>
           <a:p>
             <a:pPr marL="0" lvl="0" indent="0" algn="l" rtl="0">
@@ -25751,7 +25837,10 @@
               <a:buSzPts val="1000"/>
               <a:buNone/>
             </a:pPr>
-            <a:endParaRPr lang="en-US" dirty="0"/>
+            <a:endParaRPr lang="en-US" dirty="0">
+              <a:latin typeface="+mn-lt"/>
+              <a:cs typeface="Times New Roman" panose="02020603050405020304" pitchFamily="18" charset="0"/>
+            </a:endParaRPr>
           </a:p>
           <a:p>
             <a:pPr marL="0" lvl="0" indent="0" algn="l" rtl="0">
@@ -25770,7 +25859,10 @@
               <a:buSzPts val="1000"/>
               <a:buNone/>
             </a:pPr>
-            <a:endParaRPr b="1" dirty="0"/>
+            <a:endParaRPr b="1" dirty="0">
+              <a:latin typeface="+mn-lt"/>
+              <a:cs typeface="Times New Roman" panose="02020603050405020304" pitchFamily="18" charset="0"/>
+            </a:endParaRPr>
           </a:p>
           <a:p>
             <a:pPr marL="0" lvl="0" indent="0" algn="l" rtl="0">
@@ -25790,12 +25882,21 @@
               <a:buNone/>
             </a:pPr>
             <a:br>
-              <a:rPr lang="en-US" dirty="0"/>
+              <a:rPr lang="en-US" dirty="0">
+                <a:latin typeface="+mn-lt"/>
+                <a:cs typeface="Times New Roman" panose="02020603050405020304" pitchFamily="18" charset="0"/>
+              </a:rPr>
             </a:br>
             <a:br>
-              <a:rPr lang="en-US" dirty="0"/>
+              <a:rPr lang="en-US" dirty="0">
+                <a:latin typeface="+mn-lt"/>
+                <a:cs typeface="Times New Roman" panose="02020603050405020304" pitchFamily="18" charset="0"/>
+              </a:rPr>
             </a:br>
-            <a:endParaRPr lang="en-US" dirty="0"/>
+            <a:endParaRPr lang="en-US" dirty="0">
+              <a:latin typeface="+mn-lt"/>
+              <a:cs typeface="Times New Roman" panose="02020603050405020304" pitchFamily="18" charset="0"/>
+            </a:endParaRPr>
           </a:p>
         </p:txBody>
       </p:sp>
@@ -25845,7 +25946,10 @@
               <a:buNone/>
             </a:pPr>
             <a:r>
-              <a:rPr lang="en-US" dirty="0"/>
+              <a:rPr lang="en-US" dirty="0">
+                <a:latin typeface="+mn-lt"/>
+                <a:cs typeface="Times New Roman" panose="02020603050405020304" pitchFamily="18" charset="0"/>
+              </a:rPr>
               <a:t>Analyst/Software Engineer</a:t>
             </a:r>
           </a:p>
@@ -25897,7 +26001,10 @@
               <a:buNone/>
             </a:pPr>
             <a:r>
-              <a:rPr lang="en-IN" altLang="en-US" dirty="0"/>
+              <a:rPr lang="en-IN" altLang="en-US" dirty="0">
+                <a:latin typeface="+mn-lt"/>
+                <a:cs typeface="Times New Roman" panose="02020603050405020304" pitchFamily="18" charset="0"/>
+              </a:rPr>
               <a:t>shubham.raj@capgemini.com</a:t>
             </a:r>
           </a:p>
@@ -25949,11 +26056,17 @@
               <a:buNone/>
             </a:pPr>
             <a:r>
-              <a:rPr lang="en-US"/>
+              <a:rPr lang="en-US">
+                <a:latin typeface="+mn-lt"/>
+                <a:cs typeface="Times New Roman" panose="02020603050405020304" pitchFamily="18" charset="0"/>
+              </a:rPr>
               <a:t>+91 </a:t>
             </a:r>
             <a:r>
-              <a:rPr lang="en-IN" altLang="en-US"/>
+              <a:rPr lang="en-IN" altLang="en-US">
+                <a:latin typeface="+mn-lt"/>
+                <a:cs typeface="Times New Roman" panose="02020603050405020304" pitchFamily="18" charset="0"/>
+              </a:rPr>
               <a:t>8521209760</a:t>
             </a:r>
           </a:p>
@@ -26005,7 +26118,10 @@
               <a:buNone/>
             </a:pPr>
             <a:r>
-              <a:rPr lang="en-US" sz="1100" b="1" dirty="0"/>
+              <a:rPr lang="en-US" sz="1100" b="1" dirty="0">
+                <a:latin typeface="+mn-lt"/>
+                <a:cs typeface="Times New Roman" panose="02020603050405020304" pitchFamily="18" charset="0"/>
+              </a:rPr>
               <a:t>Full Stack Developer</a:t>
             </a:r>
           </a:p>
@@ -26028,19 +26144,31 @@
               <a:buChar char="•"/>
             </a:pPr>
             <a:r>
-              <a:rPr lang="en-US" dirty="0"/>
+              <a:rPr lang="en-US" dirty="0">
+                <a:latin typeface="+mn-lt"/>
+                <a:cs typeface="Times New Roman" panose="02020603050405020304" pitchFamily="18" charset="0"/>
+              </a:rPr>
               <a:t>Understanding of </a:t>
             </a:r>
             <a:r>
-              <a:rPr lang="en-US" b="1" dirty="0"/>
+              <a:rPr lang="en-US" b="1" dirty="0">
+                <a:latin typeface="+mn-lt"/>
+                <a:cs typeface="Times New Roman" panose="02020603050405020304" pitchFamily="18" charset="0"/>
+              </a:rPr>
               <a:t>RDBMS</a:t>
             </a:r>
             <a:r>
-              <a:rPr lang="en-US" dirty="0"/>
+              <a:rPr lang="en-US" dirty="0">
+                <a:latin typeface="+mn-lt"/>
+                <a:cs typeface="Times New Roman" panose="02020603050405020304" pitchFamily="18" charset="0"/>
+              </a:rPr>
               <a:t> concepts using </a:t>
             </a:r>
             <a:r>
-              <a:rPr lang="en-US" b="1" dirty="0"/>
+              <a:rPr lang="en-US" b="1" dirty="0">
+                <a:latin typeface="+mn-lt"/>
+                <a:cs typeface="Times New Roman" panose="02020603050405020304" pitchFamily="18" charset="0"/>
+              </a:rPr>
               <a:t>SQL Server.</a:t>
             </a:r>
           </a:p>
@@ -26063,35 +26191,59 @@
               <a:buChar char="•"/>
             </a:pPr>
             <a:r>
-              <a:rPr lang="en-US" dirty="0"/>
+              <a:rPr lang="en-US" dirty="0">
+                <a:latin typeface="+mn-lt"/>
+                <a:cs typeface="Times New Roman" panose="02020603050405020304" pitchFamily="18" charset="0"/>
+              </a:rPr>
               <a:t>Practical understanding of </a:t>
             </a:r>
             <a:r>
-              <a:rPr lang="en-US" b="1" dirty="0"/>
+              <a:rPr lang="en-US" b="1" dirty="0">
+                <a:latin typeface="+mn-lt"/>
+                <a:cs typeface="Times New Roman" panose="02020603050405020304" pitchFamily="18" charset="0"/>
+              </a:rPr>
               <a:t>C# </a:t>
             </a:r>
             <a:r>
-              <a:rPr lang="en-US" dirty="0"/>
+              <a:rPr lang="en-US" dirty="0">
+                <a:latin typeface="+mn-lt"/>
+                <a:cs typeface="Times New Roman" panose="02020603050405020304" pitchFamily="18" charset="0"/>
+              </a:rPr>
               <a:t>and </a:t>
             </a:r>
             <a:r>
-              <a:rPr lang="en-US" b="1" dirty="0"/>
+              <a:rPr lang="en-US" b="1" dirty="0">
+                <a:latin typeface="+mn-lt"/>
+                <a:cs typeface="Times New Roman" panose="02020603050405020304" pitchFamily="18" charset="0"/>
+              </a:rPr>
               <a:t>SQL</a:t>
             </a:r>
             <a:r>
-              <a:rPr lang="en-US" dirty="0"/>
+              <a:rPr lang="en-US" dirty="0">
+                <a:latin typeface="+mn-lt"/>
+                <a:cs typeface="Times New Roman" panose="02020603050405020304" pitchFamily="18" charset="0"/>
+              </a:rPr>
               <a:t> concepts using </a:t>
             </a:r>
             <a:r>
-              <a:rPr lang="en-US" b="1" dirty="0"/>
+              <a:rPr lang="en-US" b="1" dirty="0">
+                <a:latin typeface="+mn-lt"/>
+                <a:cs typeface="Times New Roman" panose="02020603050405020304" pitchFamily="18" charset="0"/>
+              </a:rPr>
               <a:t>Visual Studio </a:t>
             </a:r>
             <a:r>
-              <a:rPr lang="en-US" dirty="0"/>
+              <a:rPr lang="en-US" dirty="0">
+                <a:latin typeface="+mn-lt"/>
+                <a:cs typeface="Times New Roman" panose="02020603050405020304" pitchFamily="18" charset="0"/>
+              </a:rPr>
               <a:t>and </a:t>
             </a:r>
             <a:r>
-              <a:rPr lang="en-US" b="1" dirty="0"/>
+              <a:rPr lang="en-US" b="1" dirty="0">
+                <a:latin typeface="+mn-lt"/>
+                <a:cs typeface="Times New Roman" panose="02020603050405020304" pitchFamily="18" charset="0"/>
+              </a:rPr>
               <a:t>SQL Server</a:t>
             </a:r>
           </a:p>
@@ -26114,19 +26266,31 @@
               <a:buChar char="•"/>
             </a:pPr>
             <a:r>
-              <a:rPr lang="en-US" dirty="0"/>
+              <a:rPr lang="en-US" dirty="0">
+                <a:latin typeface="+mn-lt"/>
+                <a:cs typeface="Times New Roman" panose="02020603050405020304" pitchFamily="18" charset="0"/>
+              </a:rPr>
               <a:t>Hands on experience in developing applications using </a:t>
             </a:r>
             <a:r>
-              <a:rPr lang="en-US" b="1" dirty="0"/>
+              <a:rPr lang="en-US" b="1" dirty="0">
+                <a:latin typeface="+mn-lt"/>
+                <a:cs typeface="Times New Roman" panose="02020603050405020304" pitchFamily="18" charset="0"/>
+              </a:rPr>
               <a:t>.NET Framework</a:t>
             </a:r>
             <a:r>
-              <a:rPr lang="en-US" dirty="0"/>
+              <a:rPr lang="en-US" dirty="0">
+                <a:latin typeface="+mn-lt"/>
+                <a:cs typeface="Times New Roman" panose="02020603050405020304" pitchFamily="18" charset="0"/>
+              </a:rPr>
               <a:t>, </a:t>
             </a:r>
             <a:r>
-              <a:rPr lang="en-US" b="1" dirty="0"/>
+              <a:rPr lang="en-US" b="1" dirty="0">
+                <a:latin typeface="+mn-lt"/>
+                <a:cs typeface="Times New Roman" panose="02020603050405020304" pitchFamily="18" charset="0"/>
+              </a:rPr>
               <a:t>ADO.NET Core</a:t>
             </a:r>
           </a:p>
@@ -26149,10 +26313,16 @@
               <a:buChar char="•"/>
             </a:pPr>
             <a:r>
-              <a:rPr lang="en-US" b="1" dirty="0"/>
+              <a:rPr lang="en-US" b="1" dirty="0">
+                <a:latin typeface="+mn-lt"/>
+                <a:cs typeface="Times New Roman" panose="02020603050405020304" pitchFamily="18" charset="0"/>
+              </a:rPr>
               <a:t>Good understanding concepts of Data structure (Linked List ,BST ,stack ,queue)</a:t>
             </a:r>
-            <a:endParaRPr b="1" dirty="0"/>
+            <a:endParaRPr b="1" dirty="0">
+              <a:latin typeface="+mn-lt"/>
+              <a:cs typeface="Times New Roman" panose="02020603050405020304" pitchFamily="18" charset="0"/>
+            </a:endParaRPr>
           </a:p>
           <a:p>
             <a:pPr marL="171450" lvl="0" indent="-171450" algn="l" rtl="0">
@@ -26173,27 +26343,45 @@
               <a:buChar char="•"/>
             </a:pPr>
             <a:r>
-              <a:rPr lang="en-US" dirty="0"/>
+              <a:rPr lang="en-US" dirty="0">
+                <a:latin typeface="+mn-lt"/>
+                <a:cs typeface="Times New Roman" panose="02020603050405020304" pitchFamily="18" charset="0"/>
+              </a:rPr>
               <a:t>Understanding of </a:t>
             </a:r>
             <a:r>
-              <a:rPr lang="en-US" b="1" dirty="0"/>
+              <a:rPr lang="en-US" b="1" dirty="0">
+                <a:latin typeface="+mn-lt"/>
+                <a:cs typeface="Times New Roman" panose="02020603050405020304" pitchFamily="18" charset="0"/>
+              </a:rPr>
               <a:t>HTML5</a:t>
             </a:r>
             <a:r>
-              <a:rPr lang="en-US" dirty="0"/>
+              <a:rPr lang="en-US" dirty="0">
+                <a:latin typeface="+mn-lt"/>
+                <a:cs typeface="Times New Roman" panose="02020603050405020304" pitchFamily="18" charset="0"/>
+              </a:rPr>
               <a:t>, </a:t>
             </a:r>
             <a:r>
-              <a:rPr lang="en-US" b="1" dirty="0"/>
+              <a:rPr lang="en-US" b="1" dirty="0">
+                <a:latin typeface="+mn-lt"/>
+                <a:cs typeface="Times New Roman" panose="02020603050405020304" pitchFamily="18" charset="0"/>
+              </a:rPr>
               <a:t>CSS </a:t>
             </a:r>
             <a:r>
-              <a:rPr lang="en-US" dirty="0"/>
+              <a:rPr lang="en-US" dirty="0">
+                <a:latin typeface="+mn-lt"/>
+                <a:cs typeface="Times New Roman" panose="02020603050405020304" pitchFamily="18" charset="0"/>
+              </a:rPr>
               <a:t>and</a:t>
             </a:r>
             <a:r>
-              <a:rPr lang="en-US" b="1" dirty="0"/>
+              <a:rPr lang="en-US" b="1" dirty="0">
+                <a:latin typeface="+mn-lt"/>
+                <a:cs typeface="Times New Roman" panose="02020603050405020304" pitchFamily="18" charset="0"/>
+              </a:rPr>
               <a:t> Angular CLI.</a:t>
             </a:r>
           </a:p>
@@ -26215,7 +26403,10 @@
               <a:buFont typeface="Arial" panose="020B0604020202020204"/>
               <a:buNone/>
             </a:pPr>
-            <a:endParaRPr lang="en-US" b="1" dirty="0"/>
+            <a:endParaRPr lang="en-US" b="1" dirty="0">
+              <a:latin typeface="+mn-lt"/>
+              <a:cs typeface="Times New Roman" panose="02020603050405020304" pitchFamily="18" charset="0"/>
+            </a:endParaRPr>
           </a:p>
           <a:p>
             <a:pPr marL="171450" lvl="0" indent="-107950" algn="l" rtl="0">
@@ -26235,7 +26426,10 @@
               <a:buFont typeface="Arial" panose="020B0604020202020204"/>
               <a:buNone/>
             </a:pPr>
-            <a:endParaRPr b="1" dirty="0"/>
+            <a:endParaRPr b="1" dirty="0">
+              <a:latin typeface="+mn-lt"/>
+              <a:cs typeface="Times New Roman" panose="02020603050405020304" pitchFamily="18" charset="0"/>
+            </a:endParaRPr>
           </a:p>
           <a:p>
             <a:pPr marL="0" lvl="0" indent="0" algn="l" rtl="0">
@@ -26254,7 +26448,10 @@
               <a:buSzPts val="1000"/>
               <a:buNone/>
             </a:pPr>
-            <a:endParaRPr b="1" dirty="0"/>
+            <a:endParaRPr b="1" dirty="0">
+              <a:latin typeface="+mn-lt"/>
+              <a:cs typeface="Times New Roman" panose="02020603050405020304" pitchFamily="18" charset="0"/>
+            </a:endParaRPr>
           </a:p>
           <a:p>
             <a:pPr marL="0" lvl="0" indent="0" algn="l" rtl="0">
@@ -26273,7 +26470,10 @@
               <a:buSzPts val="1000"/>
               <a:buNone/>
             </a:pPr>
-            <a:endParaRPr b="1" dirty="0"/>
+            <a:endParaRPr b="1" dirty="0">
+              <a:latin typeface="+mn-lt"/>
+              <a:cs typeface="Times New Roman" panose="02020603050405020304" pitchFamily="18" charset="0"/>
+            </a:endParaRPr>
           </a:p>
         </p:txBody>
       </p:sp>
@@ -26323,7 +26523,10 @@
               <a:buNone/>
             </a:pPr>
             <a:r>
-              <a:rPr lang="en-IN" altLang="en-US" dirty="0"/>
+              <a:rPr lang="en-IN" altLang="en-US" dirty="0">
+                <a:latin typeface="+mn-lt"/>
+                <a:cs typeface="Times New Roman" panose="02020603050405020304" pitchFamily="18" charset="0"/>
+              </a:rPr>
               <a:t>Shubham Raj</a:t>
             </a:r>
           </a:p>
@@ -26332,13 +26535,13 @@
       <p:pic>
         <p:nvPicPr>
           <p:cNvPr id="223" name="Google Shape;223;p1">
-            <a:hlinkClick r:id="rId4"/>
+            <a:hlinkClick r:id="rId5"/>
           </p:cNvPr>
           <p:cNvPicPr preferRelativeResize="0"/>
           <p:nvPr/>
         </p:nvPicPr>
         <p:blipFill rotWithShape="1">
-          <a:blip r:embed="rId5"/>
+          <a:blip r:embed="rId6"/>
           <a:srcRect l="23582" t="2057" r="24331" b="4875"/>
           <a:stretch>
             <a:fillRect/>
@@ -26346,7 +26549,7 @@
         </p:blipFill>
         <p:spPr>
           <a:xfrm>
-            <a:off x="4603432" y="5768987"/>
+            <a:off x="4610100" y="6196828"/>
             <a:ext cx="441007" cy="471488"/>
           </a:xfrm>
           <a:prstGeom prst="rect">
@@ -26401,13 +26604,13 @@
               <a:buNone/>
             </a:pPr>
             <a:r>
-              <a:rPr lang="en-US" sz="1100" b="0" i="0" u="none" strike="noStrike" cap="none">
+              <a:rPr lang="en-US" sz="1100" b="0" i="0" u="none" strike="noStrike" cap="none" dirty="0">
                 <a:solidFill>
                   <a:srgbClr val="FFFFFF"/>
                 </a:solidFill>
-                <a:latin typeface="Verdana" panose="020B0604030504040204"/>
+                <a:latin typeface="+mn-lt"/>
                 <a:ea typeface="Verdana" panose="020B0604030504040204"/>
-                <a:cs typeface="Verdana" panose="020B0604030504040204"/>
+                <a:cs typeface="Times New Roman" panose="02020603050405020304" pitchFamily="18" charset="0"/>
                 <a:sym typeface="Verdana" panose="020B0604030504040204"/>
               </a:rPr>
               <a:t>A4</a:t>
@@ -26424,7 +26627,7 @@
         <p:spPr>
           <a:xfrm>
             <a:off x="9296716" y="552736"/>
-            <a:ext cx="2895283" cy="789940"/>
+            <a:ext cx="2895283" cy="618591"/>
           </a:xfrm>
           <a:prstGeom prst="rect">
             <a:avLst/>
@@ -26457,9 +26660,9 @@
                 <a:solidFill>
                   <a:schemeClr val="dk1"/>
                 </a:solidFill>
-                <a:latin typeface="Verdana" panose="020B0604030504040204"/>
+                <a:latin typeface="+mn-lt"/>
                 <a:ea typeface="Verdana" panose="020B0604030504040204"/>
-                <a:cs typeface="Verdana" panose="020B0604030504040204"/>
+                <a:cs typeface="Times New Roman" panose="02020603050405020304" pitchFamily="18" charset="0"/>
                 <a:sym typeface="Verdana" panose="020B0604030504040204"/>
               </a:rPr>
               <a:t>Bachelor of </a:t>
@@ -26469,9 +26672,9 @@
                 <a:solidFill>
                   <a:schemeClr val="dk1"/>
                 </a:solidFill>
-                <a:latin typeface="Verdana" panose="020B0604030504040204"/>
+                <a:latin typeface="+mn-lt"/>
                 <a:ea typeface="Verdana" panose="020B0604030504040204"/>
-                <a:cs typeface="Verdana" panose="020B0604030504040204"/>
+                <a:cs typeface="Times New Roman" panose="02020603050405020304" pitchFamily="18" charset="0"/>
                 <a:sym typeface="Verdana" panose="020B0604030504040204"/>
               </a:rPr>
               <a:t>Technology</a:t>
@@ -26481,9 +26684,9 @@
                 <a:solidFill>
                   <a:schemeClr val="dk1"/>
                 </a:solidFill>
-                <a:latin typeface="Verdana" panose="020B0604030504040204"/>
+                <a:latin typeface="+mn-lt"/>
                 <a:ea typeface="Verdana" panose="020B0604030504040204"/>
-                <a:cs typeface="Verdana" panose="020B0604030504040204"/>
+                <a:cs typeface="Times New Roman" panose="02020603050405020304" pitchFamily="18" charset="0"/>
                 <a:sym typeface="Verdana" panose="020B0604030504040204"/>
               </a:rPr>
               <a:t>,</a:t>
@@ -26492,9 +26695,9 @@
               <a:solidFill>
                 <a:schemeClr val="dk1"/>
               </a:solidFill>
-              <a:latin typeface="Verdana" panose="020B0604030504040204"/>
+              <a:latin typeface="+mn-lt"/>
               <a:ea typeface="Verdana" panose="020B0604030504040204"/>
-              <a:cs typeface="Verdana" panose="020B0604030504040204"/>
+              <a:cs typeface="Times New Roman" panose="02020603050405020304" pitchFamily="18" charset="0"/>
               <a:sym typeface="Verdana" panose="020B0604030504040204"/>
             </a:endParaRPr>
           </a:p>
@@ -26516,9 +26719,9 @@
                 <a:solidFill>
                   <a:schemeClr val="dk1"/>
                 </a:solidFill>
-                <a:latin typeface="Verdana" panose="020B0604030504040204"/>
+                <a:latin typeface="+mn-lt"/>
                 <a:ea typeface="Verdana" panose="020B0604030504040204"/>
-                <a:cs typeface="Verdana" panose="020B0604030504040204"/>
+                <a:cs typeface="Times New Roman" panose="02020603050405020304" pitchFamily="18" charset="0"/>
                 <a:sym typeface="Verdana" panose="020B0604030504040204"/>
               </a:rPr>
               <a:t>Electronics and Electrical</a:t>
@@ -26528,9 +26731,9 @@
                 <a:solidFill>
                   <a:schemeClr val="dk1"/>
                 </a:solidFill>
-                <a:latin typeface="Verdana" panose="020B0604030504040204"/>
+                <a:latin typeface="+mn-lt"/>
                 <a:ea typeface="Verdana" panose="020B0604030504040204"/>
-                <a:cs typeface="Verdana" panose="020B0604030504040204"/>
+                <a:cs typeface="Times New Roman" panose="02020603050405020304" pitchFamily="18" charset="0"/>
                 <a:sym typeface="Verdana" panose="020B0604030504040204"/>
               </a:rPr>
               <a:t> Engineering </a:t>
@@ -26540,9 +26743,9 @@
                 <a:solidFill>
                   <a:schemeClr val="dk1"/>
                 </a:solidFill>
-                <a:latin typeface="Verdana" panose="020B0604030504040204"/>
+                <a:latin typeface="+mn-lt"/>
                 <a:ea typeface="Verdana" panose="020B0604030504040204"/>
-                <a:cs typeface="Verdana" panose="020B0604030504040204"/>
+                <a:cs typeface="Times New Roman" panose="02020603050405020304" pitchFamily="18" charset="0"/>
                 <a:sym typeface="Verdana" panose="020B0604030504040204"/>
               </a:rPr>
               <a:t>: </a:t>
@@ -26552,9 +26755,9 @@
                 <a:solidFill>
                   <a:schemeClr val="dk1"/>
                 </a:solidFill>
-                <a:latin typeface="Verdana" panose="020B0604030504040204"/>
+                <a:latin typeface="+mn-lt"/>
                 <a:ea typeface="Verdana" panose="020B0604030504040204"/>
-                <a:cs typeface="Verdana" panose="020B0604030504040204"/>
+                <a:cs typeface="Times New Roman" panose="02020603050405020304" pitchFamily="18" charset="0"/>
                 <a:sym typeface="Verdana" panose="020B0604030504040204"/>
               </a:rPr>
               <a:t>2018-22</a:t>
@@ -26577,9 +26780,9 @@
               <a:solidFill>
                 <a:schemeClr val="dk1"/>
               </a:solidFill>
-              <a:latin typeface="Verdana" panose="020B0604030504040204"/>
+              <a:latin typeface="+mn-lt"/>
               <a:ea typeface="Verdana" panose="020B0604030504040204"/>
-              <a:cs typeface="Verdana" panose="020B0604030504040204"/>
+              <a:cs typeface="Times New Roman" panose="02020603050405020304" pitchFamily="18" charset="0"/>
               <a:sym typeface="Verdana" panose="020B0604030504040204"/>
             </a:endParaRPr>
           </a:p>
@@ -26632,9 +26835,9 @@
                 <a:solidFill>
                   <a:srgbClr val="0070AD"/>
                 </a:solidFill>
-                <a:latin typeface="Verdana" panose="020B0604030504040204"/>
+                <a:latin typeface="+mn-lt"/>
                 <a:ea typeface="Verdana" panose="020B0604030504040204"/>
-                <a:cs typeface="Verdana" panose="020B0604030504040204"/>
+                <a:cs typeface="Times New Roman" panose="02020603050405020304" pitchFamily="18" charset="0"/>
                 <a:sym typeface="Verdana" panose="020B0604030504040204"/>
               </a:rPr>
               <a:t>Skills</a:t>
@@ -26643,9 +26846,9 @@
               <a:solidFill>
                 <a:srgbClr val="000000"/>
               </a:solidFill>
-              <a:latin typeface="Verdana" panose="020B0604030504040204"/>
+              <a:latin typeface="+mn-lt"/>
               <a:ea typeface="Verdana" panose="020B0604030504040204"/>
-              <a:cs typeface="Verdana" panose="020B0604030504040204"/>
+              <a:cs typeface="Times New Roman" panose="02020603050405020304" pitchFamily="18" charset="0"/>
               <a:sym typeface="Verdana" panose="020B0604030504040204"/>
             </a:endParaRPr>
           </a:p>
@@ -26662,7 +26865,7 @@
           </p:nvPr>
         </p:nvPicPr>
         <p:blipFill rotWithShape="1">
-          <a:blip r:embed="rId6"/>
+          <a:blip r:embed="rId7"/>
           <a:srcRect/>
           <a:stretch>
             <a:fillRect/>
@@ -26723,9 +26926,9 @@
                 <a:solidFill>
                   <a:schemeClr val="lt1"/>
                 </a:solidFill>
-                <a:latin typeface="Verdana" panose="020B0604030504040204"/>
+                <a:latin typeface="+mn-lt"/>
                 <a:ea typeface="Verdana" panose="020B0604030504040204"/>
-                <a:cs typeface="Verdana" panose="020B0604030504040204"/>
+                <a:cs typeface="Times New Roman" panose="02020603050405020304" pitchFamily="18" charset="0"/>
                 <a:sym typeface="Verdana" panose="020B0604030504040204"/>
               </a:rPr>
               <a:t>MUMBAI</a:t>

--- a/Shubham Raj_DotnetCoreAngular_Profile.pptx
+++ b/Shubham Raj_DotnetCoreAngular_Profile.pptx
@@ -3,13 +3,13 @@
 <p:presentation xmlns:a="http://schemas.openxmlformats.org/drawingml/2006/main" xmlns:r="http://schemas.openxmlformats.org/officeDocument/2006/relationships" xmlns:p="http://schemas.openxmlformats.org/presentationml/2006/main" strictFirstAndLastChars="0" autoCompressPictures="0">
   <p:sldMasterIdLst>
     <p:sldMasterId id="2147483648" r:id="rId1"/>
-    <p:sldMasterId id="2147483659" r:id="rId2"/>
+    <p:sldMasterId id="2147483659" r:id="rId3"/>
   </p:sldMasterIdLst>
   <p:notesMasterIdLst>
-    <p:notesMasterId r:id="rId4"/>
+    <p:notesMasterId r:id="rId5"/>
   </p:notesMasterIdLst>
   <p:sldIdLst>
-    <p:sldId id="256" r:id="rId3"/>
+    <p:sldId id="256" r:id="rId4"/>
   </p:sldIdLst>
   <p:sldSz cx="12192000" cy="6858000"/>
   <p:notesSz cx="6858000" cy="9144000"/>
@@ -242,22 +242,6 @@
       </a:defRPr>
     </a:lvl9pPr>
   </p:defaultTextStyle>
-  <p:extLst>
-    <p:ext uri="{EFAFB233-063F-42B5-8137-9DF3F51BA10A}">
-      <p15:sldGuideLst xmlns:p15="http://schemas.microsoft.com/office/powerpoint/2012/main">
-        <p15:guide id="1" orient="horz" pos="2341">
-          <p15:clr>
-            <a:srgbClr val="A4A3A4"/>
-          </p15:clr>
-        </p15:guide>
-        <p15:guide id="2" pos="3648">
-          <p15:clr>
-            <a:srgbClr val="A4A3A4"/>
-          </p15:clr>
-        </p15:guide>
-      </p15:sldGuideLst>
-    </p:ext>
-  </p:extLst>
 </p:presentation>
 </file>
 
@@ -486,9 +470,7 @@
               </a:defRPr>
             </a:lvl9pPr>
           </a:lstStyle>
-          <a:p>
-            <a:endParaRPr/>
-          </a:p>
+          <a:p/>
         </p:txBody>
       </p:sp>
       <p:sp>
@@ -691,9 +673,7 @@
               </a:defRPr>
             </a:lvl9pPr>
           </a:lstStyle>
-          <a:p>
-            <a:endParaRPr/>
-          </a:p>
+          <a:p/>
         </p:txBody>
       </p:sp>
       <p:sp>
@@ -947,9 +927,7 @@
               </a:defRPr>
             </a:lvl9pPr>
           </a:lstStyle>
-          <a:p>
-            <a:endParaRPr/>
-          </a:p>
+          <a:p/>
         </p:txBody>
       </p:sp>
       <p:sp>
@@ -1152,9 +1130,7 @@
               </a:defRPr>
             </a:lvl9pPr>
           </a:lstStyle>
-          <a:p>
-            <a:endParaRPr/>
-          </a:p>
+          <a:p/>
         </p:txBody>
       </p:sp>
       <p:sp>
@@ -1205,7 +1181,6 @@
                 <a:cs typeface="Verdana" panose="020B0604030504040204"/>
                 <a:sym typeface="Verdana" panose="020B0604030504040204"/>
               </a:rPr>
-              <a:t>‹#›</a:t>
             </a:fld>
             <a:endParaRPr sz="900" b="0" i="0" u="none" strike="noStrike" cap="none">
               <a:solidFill>
@@ -1455,7 +1430,7 @@
 </file>
 
 <file path=ppt/notesSlides/notesSlide1.xml><?xml version="1.0" encoding="utf-8"?>
-<p:notes xmlns:a="http://schemas.openxmlformats.org/drawingml/2006/main" xmlns:r="http://schemas.openxmlformats.org/officeDocument/2006/relationships" xmlns:p="http://schemas.openxmlformats.org/presentationml/2006/main" showMasterSp="0" showMasterPhAnim="0">
+<p:notes xmlns:a="http://schemas.openxmlformats.org/drawingml/2006/main" xmlns:r="http://schemas.openxmlformats.org/officeDocument/2006/relationships" xmlns:p="http://schemas.openxmlformats.org/presentationml/2006/main" showMasterPhAnim="0" showMasterSp="0">
   <p:cSld>
     <p:spTree>
       <p:nvGrpSpPr>
@@ -1662,6 +1637,15 @@
               </a:rPr>
               <a:t>Strengths</a:t>
             </a:r>
+            <a:endParaRPr lang="en-US" sz="1200" b="1">
+              <a:solidFill>
+                <a:srgbClr val="0070AD"/>
+              </a:solidFill>
+              <a:latin typeface="Verdana" panose="020B0604030504040204"/>
+              <a:ea typeface="Verdana" panose="020B0604030504040204"/>
+              <a:cs typeface="Verdana" panose="020B0604030504040204"/>
+              <a:sym typeface="Verdana" panose="020B0604030504040204"/>
+            </a:endParaRPr>
           </a:p>
         </p:txBody>
       </p:sp>
@@ -1711,6 +1695,15 @@
               </a:rPr>
               <a:t>Achievement </a:t>
             </a:r>
+            <a:endParaRPr lang="en-US" sz="1200" b="1">
+              <a:solidFill>
+                <a:srgbClr val="0070AD"/>
+              </a:solidFill>
+              <a:latin typeface="Verdana" panose="020B0604030504040204"/>
+              <a:ea typeface="Verdana" panose="020B0604030504040204"/>
+              <a:cs typeface="Verdana" panose="020B0604030504040204"/>
+              <a:sym typeface="Verdana" panose="020B0604030504040204"/>
+            </a:endParaRPr>
           </a:p>
         </p:txBody>
       </p:sp>
@@ -1760,6 +1753,15 @@
               </a:rPr>
               <a:t>Education and certificates</a:t>
             </a:r>
+            <a:endParaRPr lang="en-US" sz="1200" b="1">
+              <a:solidFill>
+                <a:srgbClr val="0070AD"/>
+              </a:solidFill>
+              <a:latin typeface="Verdana" panose="020B0604030504040204"/>
+              <a:ea typeface="Verdana" panose="020B0604030504040204"/>
+              <a:cs typeface="Verdana" panose="020B0604030504040204"/>
+              <a:sym typeface="Verdana" panose="020B0604030504040204"/>
+            </a:endParaRPr>
           </a:p>
         </p:txBody>
       </p:sp>
@@ -1823,6 +1825,15 @@
                 </a:rPr>
                 <a:t>Base Location:</a:t>
               </a:r>
+              <a:endParaRPr lang="en-US" sz="1100" b="1">
+                <a:solidFill>
+                  <a:schemeClr val="lt1"/>
+                </a:solidFill>
+                <a:latin typeface="Verdana" panose="020B0604030504040204"/>
+                <a:ea typeface="Verdana" panose="020B0604030504040204"/>
+                <a:cs typeface="Verdana" panose="020B0604030504040204"/>
+                <a:sym typeface="Verdana" panose="020B0604030504040204"/>
+              </a:endParaRPr>
             </a:p>
           </p:txBody>
         </p:sp>
@@ -1872,6 +1883,15 @@
                 </a:rPr>
                 <a:t>Email ID:</a:t>
               </a:r>
+              <a:endParaRPr lang="en-US" sz="1100" b="1">
+                <a:solidFill>
+                  <a:schemeClr val="lt1"/>
+                </a:solidFill>
+                <a:latin typeface="Verdana" panose="020B0604030504040204"/>
+                <a:ea typeface="Verdana" panose="020B0604030504040204"/>
+                <a:cs typeface="Verdana" panose="020B0604030504040204"/>
+                <a:sym typeface="Verdana" panose="020B0604030504040204"/>
+              </a:endParaRPr>
             </a:p>
           </p:txBody>
         </p:sp>
@@ -1921,6 +1941,15 @@
                 </a:rPr>
                 <a:t>Mobile No:</a:t>
               </a:r>
+              <a:endParaRPr lang="en-US" sz="1100" b="1">
+                <a:solidFill>
+                  <a:schemeClr val="lt1"/>
+                </a:solidFill>
+                <a:latin typeface="Verdana" panose="020B0604030504040204"/>
+                <a:ea typeface="Verdana" panose="020B0604030504040204"/>
+                <a:cs typeface="Verdana" panose="020B0604030504040204"/>
+                <a:sym typeface="Verdana" panose="020B0604030504040204"/>
+              </a:endParaRPr>
             </a:p>
           </p:txBody>
         </p:sp>
@@ -2017,6 +2046,15 @@
               </a:rPr>
               <a:t>Grade:</a:t>
             </a:r>
+            <a:endParaRPr lang="en-US" sz="1100" b="1">
+              <a:solidFill>
+                <a:schemeClr val="lt1"/>
+              </a:solidFill>
+              <a:latin typeface="Verdana" panose="020B0604030504040204"/>
+              <a:ea typeface="Verdana" panose="020B0604030504040204"/>
+              <a:cs typeface="Verdana" panose="020B0604030504040204"/>
+              <a:sym typeface="Verdana" panose="020B0604030504040204"/>
+            </a:endParaRPr>
           </a:p>
         </p:txBody>
       </p:sp>
@@ -2244,9 +2282,7 @@
               <a:defRPr/>
             </a:lvl9pPr>
           </a:lstStyle>
-          <a:p>
-            <a:endParaRPr/>
-          </a:p>
+          <a:p/>
         </p:txBody>
       </p:sp>
       <p:sp>
@@ -2423,9 +2459,7 @@
               <a:defRPr/>
             </a:lvl9pPr>
           </a:lstStyle>
-          <a:p>
-            <a:endParaRPr/>
-          </a:p>
+          <a:p/>
         </p:txBody>
       </p:sp>
       <p:sp>
@@ -2603,9 +2637,7 @@
               <a:defRPr/>
             </a:lvl9pPr>
           </a:lstStyle>
-          <a:p>
-            <a:endParaRPr/>
-          </a:p>
+          <a:p/>
         </p:txBody>
       </p:sp>
       <p:sp>
@@ -2782,9 +2814,7 @@
               <a:defRPr/>
             </a:lvl9pPr>
           </a:lstStyle>
-          <a:p>
-            <a:endParaRPr/>
-          </a:p>
+          <a:p/>
         </p:txBody>
       </p:sp>
       <p:sp>
@@ -2987,9 +3017,7 @@
               <a:defRPr/>
             </a:lvl9pPr>
           </a:lstStyle>
-          <a:p>
-            <a:endParaRPr/>
-          </a:p>
+          <a:p/>
         </p:txBody>
       </p:sp>
       <p:sp>
@@ -3166,9 +3194,7 @@
               <a:defRPr/>
             </a:lvl9pPr>
           </a:lstStyle>
-          <a:p>
-            <a:endParaRPr/>
-          </a:p>
+          <a:p/>
         </p:txBody>
       </p:sp>
       <p:sp>
@@ -3341,9 +3367,7 @@
               <a:defRPr/>
             </a:lvl9pPr>
           </a:lstStyle>
-          <a:p>
-            <a:endParaRPr/>
-          </a:p>
+          <a:p/>
         </p:txBody>
       </p:sp>
       <p:sp>
@@ -3520,9 +3544,7 @@
               <a:defRPr/>
             </a:lvl9pPr>
           </a:lstStyle>
-          <a:p>
-            <a:endParaRPr/>
-          </a:p>
+          <a:p/>
         </p:txBody>
       </p:sp>
     </p:spTree>
@@ -5044,9 +5066,7 @@
               <a:defRPr/>
             </a:lvl9pPr>
           </a:lstStyle>
-          <a:p>
-            <a:endParaRPr/>
-          </a:p>
+          <a:p/>
         </p:txBody>
       </p:sp>
       <p:sp>
@@ -5188,9 +5208,7 @@
               <a:defRPr/>
             </a:lvl9pPr>
           </a:lstStyle>
-          <a:p>
-            <a:endParaRPr/>
-          </a:p>
+          <a:p/>
         </p:txBody>
       </p:sp>
     </p:spTree>
@@ -5353,9 +5371,7 @@
               <a:defRPr/>
             </a:lvl9pPr>
           </a:lstStyle>
-          <a:p>
-            <a:endParaRPr/>
-          </a:p>
+          <a:p/>
         </p:txBody>
       </p:sp>
       <p:sp>
@@ -5510,9 +5526,7 @@
               <a:defRPr/>
             </a:lvl9pPr>
           </a:lstStyle>
-          <a:p>
-            <a:endParaRPr/>
-          </a:p>
+          <a:p/>
         </p:txBody>
       </p:sp>
     </p:spTree>
@@ -5675,9 +5689,7 @@
               <a:defRPr/>
             </a:lvl9pPr>
           </a:lstStyle>
-          <a:p>
-            <a:endParaRPr/>
-          </a:p>
+          <a:p/>
         </p:txBody>
       </p:sp>
       <p:sp>
@@ -5832,9 +5844,7 @@
               <a:defRPr/>
             </a:lvl9pPr>
           </a:lstStyle>
-          <a:p>
-            <a:endParaRPr/>
-          </a:p>
+          <a:p/>
         </p:txBody>
       </p:sp>
       <p:sp>
@@ -5993,9 +6003,7 @@
               <a:defRPr/>
             </a:lvl9pPr>
           </a:lstStyle>
-          <a:p>
-            <a:endParaRPr/>
-          </a:p>
+          <a:p/>
         </p:txBody>
       </p:sp>
     </p:spTree>
@@ -6158,9 +6166,7 @@
               <a:defRPr/>
             </a:lvl9pPr>
           </a:lstStyle>
-          <a:p>
-            <a:endParaRPr/>
-          </a:p>
+          <a:p/>
         </p:txBody>
       </p:sp>
       <p:sp>
@@ -6315,9 +6321,7 @@
               <a:defRPr/>
             </a:lvl9pPr>
           </a:lstStyle>
-          <a:p>
-            <a:endParaRPr/>
-          </a:p>
+          <a:p/>
         </p:txBody>
       </p:sp>
       <p:sp>
@@ -6472,9 +6476,7 @@
               <a:defRPr/>
             </a:lvl9pPr>
           </a:lstStyle>
-          <a:p>
-            <a:endParaRPr/>
-          </a:p>
+          <a:p/>
         </p:txBody>
       </p:sp>
     </p:spTree>
@@ -6637,9 +6639,7 @@
               <a:defRPr/>
             </a:lvl9pPr>
           </a:lstStyle>
-          <a:p>
-            <a:endParaRPr/>
-          </a:p>
+          <a:p/>
         </p:txBody>
       </p:sp>
       <p:sp>
@@ -6794,9 +6794,7 @@
               <a:defRPr/>
             </a:lvl9pPr>
           </a:lstStyle>
-          <a:p>
-            <a:endParaRPr/>
-          </a:p>
+          <a:p/>
         </p:txBody>
       </p:sp>
       <p:sp>
@@ -6951,9 +6949,7 @@
               <a:defRPr/>
             </a:lvl9pPr>
           </a:lstStyle>
-          <a:p>
-            <a:endParaRPr/>
-          </a:p>
+          <a:p/>
         </p:txBody>
       </p:sp>
       <p:sp>
@@ -7112,9 +7108,7 @@
               <a:defRPr/>
             </a:lvl9pPr>
           </a:lstStyle>
-          <a:p>
-            <a:endParaRPr/>
-          </a:p>
+          <a:p/>
         </p:txBody>
       </p:sp>
       <p:sp>
@@ -7277,9 +7271,7 @@
               <a:defRPr/>
             </a:lvl9pPr>
           </a:lstStyle>
-          <a:p>
-            <a:endParaRPr/>
-          </a:p>
+          <a:p/>
         </p:txBody>
       </p:sp>
     </p:spTree>
@@ -7441,9 +7433,7 @@
               <a:defRPr/>
             </a:lvl9pPr>
           </a:lstStyle>
-          <a:p>
-            <a:endParaRPr/>
-          </a:p>
+          <a:p/>
         </p:txBody>
       </p:sp>
       <p:sp>
@@ -7621,9 +7611,7 @@
               <a:defRPr sz="1600" b="1"/>
             </a:lvl9pPr>
           </a:lstStyle>
-          <a:p>
-            <a:endParaRPr/>
-          </a:p>
+          <a:p/>
         </p:txBody>
       </p:sp>
       <p:sp>
@@ -7786,9 +7774,7 @@
               <a:defRPr sz="1600"/>
             </a:lvl9pPr>
           </a:lstStyle>
-          <a:p>
-            <a:endParaRPr/>
-          </a:p>
+          <a:p/>
         </p:txBody>
       </p:sp>
       <p:sp>
@@ -7966,9 +7952,7 @@
               <a:defRPr sz="1600" b="1"/>
             </a:lvl9pPr>
           </a:lstStyle>
-          <a:p>
-            <a:endParaRPr/>
-          </a:p>
+          <a:p/>
         </p:txBody>
       </p:sp>
       <p:sp>
@@ -8131,9 +8115,7 @@
               <a:defRPr sz="1600"/>
             </a:lvl9pPr>
           </a:lstStyle>
-          <a:p>
-            <a:endParaRPr/>
-          </a:p>
+          <a:p/>
         </p:txBody>
       </p:sp>
       <p:sp>
@@ -8311,9 +8293,7 @@
               <a:defRPr sz="1600" b="1"/>
             </a:lvl9pPr>
           </a:lstStyle>
-          <a:p>
-            <a:endParaRPr/>
-          </a:p>
+          <a:p/>
         </p:txBody>
       </p:sp>
       <p:sp>
@@ -8476,9 +8456,7 @@
               <a:defRPr sz="1600"/>
             </a:lvl9pPr>
           </a:lstStyle>
-          <a:p>
-            <a:endParaRPr/>
-          </a:p>
+          <a:p/>
         </p:txBody>
       </p:sp>
       <p:sp>
@@ -8656,9 +8634,7 @@
               <a:defRPr sz="1600" b="1"/>
             </a:lvl9pPr>
           </a:lstStyle>
-          <a:p>
-            <a:endParaRPr/>
-          </a:p>
+          <a:p/>
         </p:txBody>
       </p:sp>
       <p:sp>
@@ -8821,9 +8797,7 @@
               <a:defRPr sz="1600"/>
             </a:lvl9pPr>
           </a:lstStyle>
-          <a:p>
-            <a:endParaRPr/>
-          </a:p>
+          <a:p/>
         </p:txBody>
       </p:sp>
     </p:spTree>
@@ -8986,9 +8960,7 @@
               <a:defRPr/>
             </a:lvl9pPr>
           </a:lstStyle>
-          <a:p>
-            <a:endParaRPr/>
-          </a:p>
+          <a:p/>
         </p:txBody>
       </p:sp>
     </p:spTree>
@@ -9000,7 +8972,7 @@
 </file>
 
 <file path=ppt/slideLayouts/slideLayout17.xml><?xml version="1.0" encoding="utf-8"?>
-<p:sldLayout xmlns:a="http://schemas.openxmlformats.org/drawingml/2006/main" xmlns:r="http://schemas.openxmlformats.org/officeDocument/2006/relationships" xmlns:p="http://schemas.openxmlformats.org/presentationml/2006/main" showMasterSp="0" matchingName="Vide" type="blank">
+<p:sldLayout xmlns:a="http://schemas.openxmlformats.org/drawingml/2006/main" xmlns:r="http://schemas.openxmlformats.org/officeDocument/2006/relationships" xmlns:p="http://schemas.openxmlformats.org/presentationml/2006/main" type="blank" showMasterSp="0" matchingName="Vide">
   <p:cSld name="BLANK">
     <p:spTree>
       <p:nvGrpSpPr>
@@ -9175,9 +9147,7 @@
               <a:defRPr/>
             </a:lvl9pPr>
           </a:lstStyle>
-          <a:p>
-            <a:endParaRPr/>
-          </a:p>
+          <a:p/>
         </p:txBody>
       </p:sp>
       <p:sp>
@@ -9380,9 +9350,7 @@
               </a:defRPr>
             </a:lvl9pPr>
           </a:lstStyle>
-          <a:p>
-            <a:endParaRPr/>
-          </a:p>
+          <a:p/>
         </p:txBody>
       </p:sp>
       <p:sp>
@@ -9588,7 +9556,6 @@
             </a:pPr>
             <a:fld id="{00000000-1234-1234-1234-123412341234}" type="slidenum">
               <a:rPr lang="en-US"/>
-              <a:t>‹#›</a:t>
             </a:fld>
             <a:endParaRPr lang="en-US"/>
           </a:p>
@@ -9774,9 +9741,7 @@
               <a:defRPr/>
             </a:lvl9pPr>
           </a:lstStyle>
-          <a:p>
-            <a:endParaRPr/>
-          </a:p>
+          <a:p/>
         </p:txBody>
       </p:sp>
       <p:sp>
@@ -9913,9 +9878,7 @@
               <a:defRPr/>
             </a:lvl9pPr>
           </a:lstStyle>
-          <a:p>
-            <a:endParaRPr/>
-          </a:p>
+          <a:p/>
         </p:txBody>
       </p:sp>
     </p:spTree>
@@ -10113,9 +10076,7 @@
               <a:defRPr/>
             </a:lvl9pPr>
           </a:lstStyle>
-          <a:p>
-            <a:endParaRPr/>
-          </a:p>
+          <a:p/>
         </p:txBody>
       </p:sp>
       <p:sp>
@@ -10252,9 +10213,7 @@
               <a:defRPr/>
             </a:lvl9pPr>
           </a:lstStyle>
-          <a:p>
-            <a:endParaRPr/>
-          </a:p>
+          <a:p/>
         </p:txBody>
       </p:sp>
     </p:spTree>
@@ -10416,9 +10375,7 @@
               <a:defRPr/>
             </a:lvl9pPr>
           </a:lstStyle>
-          <a:p>
-            <a:endParaRPr/>
-          </a:p>
+          <a:p/>
         </p:txBody>
       </p:sp>
       <p:sp>
@@ -10573,9 +10530,7 @@
               <a:defRPr/>
             </a:lvl9pPr>
           </a:lstStyle>
-          <a:p>
-            <a:endParaRPr/>
-          </a:p>
+          <a:p/>
         </p:txBody>
       </p:sp>
       <p:sp>
@@ -10734,9 +10689,7 @@
               <a:defRPr/>
             </a:lvl9pPr>
           </a:lstStyle>
-          <a:p>
-            <a:endParaRPr/>
-          </a:p>
+          <a:p/>
         </p:txBody>
       </p:sp>
     </p:spTree>
@@ -10919,9 +10872,7 @@
               <a:defRPr/>
             </a:lvl9pPr>
           </a:lstStyle>
-          <a:p>
-            <a:endParaRPr/>
-          </a:p>
+          <a:p/>
         </p:txBody>
       </p:sp>
       <p:sp>
@@ -11083,9 +11034,7 @@
               <a:defRPr/>
             </a:lvl9pPr>
           </a:lstStyle>
-          <a:p>
-            <a:endParaRPr/>
-          </a:p>
+          <a:p/>
         </p:txBody>
       </p:sp>
       <p:sp>
@@ -11247,9 +11196,7 @@
               <a:defRPr/>
             </a:lvl9pPr>
           </a:lstStyle>
-          <a:p>
-            <a:endParaRPr/>
-          </a:p>
+          <a:p/>
         </p:txBody>
       </p:sp>
       <p:sp>
@@ -11386,9 +11333,7 @@
               <a:defRPr/>
             </a:lvl9pPr>
           </a:lstStyle>
-          <a:p>
-            <a:endParaRPr/>
-          </a:p>
+          <a:p/>
         </p:txBody>
       </p:sp>
       <p:sp>
@@ -11546,9 +11491,7 @@
               <a:defRPr/>
             </a:lvl9pPr>
           </a:lstStyle>
-          <a:p>
-            <a:endParaRPr/>
-          </a:p>
+          <a:p/>
         </p:txBody>
       </p:sp>
     </p:spTree>
@@ -11710,9 +11653,7 @@
               <a:defRPr/>
             </a:lvl9pPr>
           </a:lstStyle>
-          <a:p>
-            <a:endParaRPr/>
-          </a:p>
+          <a:p/>
         </p:txBody>
       </p:sp>
       <p:sp>
@@ -11870,9 +11811,7 @@
               <a:defRPr/>
             </a:lvl9pPr>
           </a:lstStyle>
-          <a:p>
-            <a:endParaRPr/>
-          </a:p>
+          <a:p/>
         </p:txBody>
       </p:sp>
       <p:sp>
@@ -12038,9 +11977,7 @@
               <a:defRPr/>
             </a:lvl9pPr>
           </a:lstStyle>
-          <a:p>
-            <a:endParaRPr/>
-          </a:p>
+          <a:p/>
         </p:txBody>
       </p:sp>
       <p:sp>
@@ -12198,9 +12135,7 @@
               <a:defRPr/>
             </a:lvl9pPr>
           </a:lstStyle>
-          <a:p>
-            <a:endParaRPr/>
-          </a:p>
+          <a:p/>
         </p:txBody>
       </p:sp>
       <p:sp>
@@ -12366,9 +12301,7 @@
               <a:defRPr/>
             </a:lvl9pPr>
           </a:lstStyle>
-          <a:p>
-            <a:endParaRPr/>
-          </a:p>
+          <a:p/>
         </p:txBody>
       </p:sp>
       <p:sp>
@@ -12526,9 +12459,7 @@
               <a:defRPr/>
             </a:lvl9pPr>
           </a:lstStyle>
-          <a:p>
-            <a:endParaRPr/>
-          </a:p>
+          <a:p/>
         </p:txBody>
       </p:sp>
       <p:sp>
@@ -12694,9 +12625,7 @@
               <a:defRPr/>
             </a:lvl9pPr>
           </a:lstStyle>
-          <a:p>
-            <a:endParaRPr/>
-          </a:p>
+          <a:p/>
         </p:txBody>
       </p:sp>
     </p:spTree>
@@ -13026,9 +12955,7 @@
               <a:defRPr/>
             </a:lvl9pPr>
           </a:lstStyle>
-          <a:p>
-            <a:endParaRPr/>
-          </a:p>
+          <a:p/>
         </p:txBody>
       </p:sp>
       <p:sp>
@@ -13183,9 +13110,7 @@
               <a:defRPr/>
             </a:lvl9pPr>
           </a:lstStyle>
-          <a:p>
-            <a:endParaRPr/>
-          </a:p>
+          <a:p/>
         </p:txBody>
       </p:sp>
       <p:sp>
@@ -13344,9 +13269,7 @@
               <a:defRPr/>
             </a:lvl9pPr>
           </a:lstStyle>
-          <a:p>
-            <a:endParaRPr/>
-          </a:p>
+          <a:p/>
         </p:txBody>
       </p:sp>
       <p:sp>
@@ -13510,9 +13433,7 @@
               <a:defRPr/>
             </a:lvl9pPr>
           </a:lstStyle>
-          <a:p>
-            <a:endParaRPr/>
-          </a:p>
+          <a:p/>
         </p:txBody>
       </p:sp>
     </p:spTree>
@@ -13674,9 +13595,7 @@
               <a:defRPr/>
             </a:lvl9pPr>
           </a:lstStyle>
-          <a:p>
-            <a:endParaRPr/>
-          </a:p>
+          <a:p/>
         </p:txBody>
       </p:sp>
     </p:spTree>
@@ -13993,9 +13912,7 @@
               <a:defRPr/>
             </a:lvl9pPr>
           </a:lstStyle>
-          <a:p>
-            <a:endParaRPr/>
-          </a:p>
+          <a:p/>
         </p:txBody>
       </p:sp>
       <p:sp>
@@ -14154,9 +14071,7 @@
               <a:defRPr/>
             </a:lvl9pPr>
           </a:lstStyle>
-          <a:p>
-            <a:endParaRPr/>
-          </a:p>
+          <a:p/>
         </p:txBody>
       </p:sp>
       <p:sp>
@@ -14318,9 +14233,7 @@
               <a:defRPr/>
             </a:lvl9pPr>
           </a:lstStyle>
-          <a:p>
-            <a:endParaRPr/>
-          </a:p>
+          <a:p/>
         </p:txBody>
       </p:sp>
       <p:sp>
@@ -14482,9 +14395,7 @@
               <a:defRPr/>
             </a:lvl9pPr>
           </a:lstStyle>
-          <a:p>
-            <a:endParaRPr/>
-          </a:p>
+          <a:p/>
         </p:txBody>
       </p:sp>
       <p:sp>
@@ -14726,9 +14637,7 @@
               <a:defRPr/>
             </a:lvl9pPr>
           </a:lstStyle>
-          <a:p>
-            <a:endParaRPr/>
-          </a:p>
+          <a:p/>
         </p:txBody>
       </p:sp>
       <p:sp>
@@ -14901,9 +14810,7 @@
               <a:defRPr/>
             </a:lvl9pPr>
           </a:lstStyle>
-          <a:p>
-            <a:endParaRPr/>
-          </a:p>
+          <a:p/>
         </p:txBody>
       </p:sp>
       <p:sp>
@@ -15080,9 +14987,7 @@
               <a:defRPr/>
             </a:lvl9pPr>
           </a:lstStyle>
-          <a:p>
-            <a:endParaRPr/>
-          </a:p>
+          <a:p/>
         </p:txBody>
       </p:sp>
     </p:spTree>
@@ -15280,9 +15185,7 @@
               <a:defRPr/>
             </a:lvl9pPr>
           </a:lstStyle>
-          <a:p>
-            <a:endParaRPr/>
-          </a:p>
+          <a:p/>
         </p:txBody>
       </p:sp>
       <p:sp>
@@ -15459,9 +15362,7 @@
               <a:defRPr/>
             </a:lvl9pPr>
           </a:lstStyle>
-          <a:p>
-            <a:endParaRPr/>
-          </a:p>
+          <a:p/>
         </p:txBody>
       </p:sp>
       <p:sp>
@@ -15638,9 +15539,7 @@
               <a:defRPr/>
             </a:lvl9pPr>
           </a:lstStyle>
-          <a:p>
-            <a:endParaRPr/>
-          </a:p>
+          <a:p/>
         </p:txBody>
       </p:sp>
       <p:pic>
@@ -15804,9 +15703,7 @@
               <a:defRPr/>
             </a:lvl9pPr>
           </a:lstStyle>
-          <a:p>
-            <a:endParaRPr/>
-          </a:p>
+          <a:p/>
         </p:txBody>
       </p:sp>
       <p:sp>
@@ -15979,9 +15876,7 @@
               <a:defRPr/>
             </a:lvl9pPr>
           </a:lstStyle>
-          <a:p>
-            <a:endParaRPr/>
-          </a:p>
+          <a:p/>
         </p:txBody>
       </p:sp>
     </p:spTree>
@@ -16143,9 +16038,7 @@
               <a:defRPr/>
             </a:lvl9pPr>
           </a:lstStyle>
-          <a:p>
-            <a:endParaRPr/>
-          </a:p>
+          <a:p/>
         </p:txBody>
       </p:sp>
       <p:sp>
@@ -16318,9 +16211,7 @@
               <a:defRPr/>
             </a:lvl9pPr>
           </a:lstStyle>
-          <a:p>
-            <a:endParaRPr/>
-          </a:p>
+          <a:p/>
         </p:txBody>
       </p:sp>
       <p:sp>
@@ -16501,9 +16392,7 @@
               <a:defRPr/>
             </a:lvl9pPr>
           </a:lstStyle>
-          <a:p>
-            <a:endParaRPr/>
-          </a:p>
+          <a:p/>
         </p:txBody>
       </p:sp>
       <p:sp>
@@ -16676,9 +16565,7 @@
               <a:defRPr/>
             </a:lvl9pPr>
           </a:lstStyle>
-          <a:p>
-            <a:endParaRPr/>
-          </a:p>
+          <a:p/>
         </p:txBody>
       </p:sp>
       <p:sp>
@@ -16859,9 +16746,7 @@
               <a:defRPr/>
             </a:lvl9pPr>
           </a:lstStyle>
-          <a:p>
-            <a:endParaRPr/>
-          </a:p>
+          <a:p/>
         </p:txBody>
       </p:sp>
       <p:sp>
@@ -17034,9 +16919,7 @@
               <a:defRPr/>
             </a:lvl9pPr>
           </a:lstStyle>
-          <a:p>
-            <a:endParaRPr/>
-          </a:p>
+          <a:p/>
         </p:txBody>
       </p:sp>
       <p:sp>
@@ -17217,9 +17100,7 @@
               <a:defRPr/>
             </a:lvl9pPr>
           </a:lstStyle>
-          <a:p>
-            <a:endParaRPr/>
-          </a:p>
+          <a:p/>
         </p:txBody>
       </p:sp>
     </p:spTree>
@@ -17549,9 +17430,7 @@
               <a:defRPr/>
             </a:lvl9pPr>
           </a:lstStyle>
-          <a:p>
-            <a:endParaRPr/>
-          </a:p>
+          <a:p/>
         </p:txBody>
       </p:sp>
       <p:sp>
@@ -17724,9 +17603,7 @@
               <a:defRPr/>
             </a:lvl9pPr>
           </a:lstStyle>
-          <a:p>
-            <a:endParaRPr/>
-          </a:p>
+          <a:p/>
         </p:txBody>
       </p:sp>
       <p:sp>
@@ -17903,9 +17780,7 @@
               <a:defRPr/>
             </a:lvl9pPr>
           </a:lstStyle>
-          <a:p>
-            <a:endParaRPr/>
-          </a:p>
+          <a:p/>
         </p:txBody>
       </p:sp>
       <p:sp>
@@ -18087,9 +17962,7 @@
               <a:defRPr/>
             </a:lvl9pPr>
           </a:lstStyle>
-          <a:p>
-            <a:endParaRPr/>
-          </a:p>
+          <a:p/>
         </p:txBody>
       </p:sp>
     </p:spTree>
@@ -18251,9 +18124,7 @@
               <a:defRPr/>
             </a:lvl9pPr>
           </a:lstStyle>
-          <a:p>
-            <a:endParaRPr/>
-          </a:p>
+          <a:p/>
         </p:txBody>
       </p:sp>
     </p:spTree>
@@ -18563,9 +18434,7 @@
               <a:defRPr/>
             </a:lvl9pPr>
           </a:lstStyle>
-          <a:p>
-            <a:endParaRPr/>
-          </a:p>
+          <a:p/>
         </p:txBody>
       </p:sp>
       <p:sp>
@@ -18742,9 +18611,7 @@
               <a:defRPr/>
             </a:lvl9pPr>
           </a:lstStyle>
-          <a:p>
-            <a:endParaRPr/>
-          </a:p>
+          <a:p/>
         </p:txBody>
       </p:sp>
       <p:sp>
@@ -18921,9 +18788,7 @@
               <a:defRPr/>
             </a:lvl9pPr>
           </a:lstStyle>
-          <a:p>
-            <a:endParaRPr/>
-          </a:p>
+          <a:p/>
         </p:txBody>
       </p:sp>
       <p:sp>
@@ -19100,9 +18965,7 @@
               <a:defRPr/>
             </a:lvl9pPr>
           </a:lstStyle>
-          <a:p>
-            <a:endParaRPr/>
-          </a:p>
+          <a:p/>
         </p:txBody>
       </p:sp>
       <p:sp>
@@ -19794,6 +19657,15 @@
               </a:rPr>
               <a:t>Copyright © 2019 Capgemini. All rights reserved.</a:t>
             </a:r>
+            <a:endParaRPr lang="en-US" sz="800">
+              <a:solidFill>
+                <a:schemeClr val="lt1"/>
+              </a:solidFill>
+              <a:latin typeface="Arial" panose="020B0604020202020204"/>
+              <a:ea typeface="Arial" panose="020B0604020202020204"/>
+              <a:cs typeface="Arial" panose="020B0604020202020204"/>
+              <a:sym typeface="Arial" panose="020B0604020202020204"/>
+            </a:endParaRPr>
           </a:p>
           <a:p>
             <a:pPr marL="0" marR="0" lvl="0" indent="0" algn="l" rtl="0">
@@ -19849,6 +19721,15 @@
               </a:rPr>
               <a:t> is a trademark belonging to Capgemini.</a:t>
             </a:r>
+            <a:endParaRPr lang="en-US" sz="800">
+              <a:solidFill>
+                <a:schemeClr val="lt1"/>
+              </a:solidFill>
+              <a:latin typeface="Arial" panose="020B0604020202020204"/>
+              <a:ea typeface="Arial" panose="020B0604020202020204"/>
+              <a:cs typeface="Arial" panose="020B0604020202020204"/>
+              <a:sym typeface="Arial" panose="020B0604020202020204"/>
+            </a:endParaRPr>
           </a:p>
         </p:txBody>
       </p:sp>
@@ -19898,6 +19779,15 @@
               </a:rPr>
               <a:t>This message is intended only for the person to whom it is addressed. If you are not the intended recipient, you are not authorized to read, print, retain, copy, disseminate, distribute, or use this message or any part thereof. If you receive this message in error, please notify the sender immediately and delete all copies of this message. </a:t>
             </a:r>
+            <a:endParaRPr lang="en-US" sz="600">
+              <a:solidFill>
+                <a:schemeClr val="dk1"/>
+              </a:solidFill>
+              <a:latin typeface="Verdana" panose="020B0604030504040204"/>
+              <a:ea typeface="Verdana" panose="020B0604030504040204"/>
+              <a:cs typeface="Verdana" panose="020B0604030504040204"/>
+              <a:sym typeface="Verdana" panose="020B0604030504040204"/>
+            </a:endParaRPr>
           </a:p>
         </p:txBody>
       </p:sp>
@@ -19977,6 +19867,15 @@
               </a:rPr>
               <a:t>A global leader in consulting, technology services and digital transformation, Capgemini is at the forefront of innovation to address the entire breadth of clients’ opportunities in the evolving world of cloud, digital and platforms. Building on its strong 50-year heritage and deep industry-specific expertise, Capgemini enables organizations to realize their business ambitions through an array of services from strategy to operations. Capgemini is driven by the conviction that the business value of technology comes from and through people. It is a multicultural company of 200,000 team members in over 40 countries. The Group reported 2018 global revenues of EUR 13.2 billion.</a:t>
             </a:r>
+            <a:endParaRPr lang="en-US" sz="900">
+              <a:solidFill>
+                <a:schemeClr val="dk1"/>
+              </a:solidFill>
+              <a:latin typeface="Verdana" panose="020B0604030504040204"/>
+              <a:ea typeface="Verdana" panose="020B0604030504040204"/>
+              <a:cs typeface="Verdana" panose="020B0604030504040204"/>
+              <a:sym typeface="Verdana" panose="020B0604030504040204"/>
+            </a:endParaRPr>
           </a:p>
         </p:txBody>
       </p:sp>
@@ -20029,6 +19928,15 @@
               </a:rPr>
               <a:t>About Capgemini</a:t>
             </a:r>
+            <a:endParaRPr lang="en-US" sz="1400">
+              <a:solidFill>
+                <a:schemeClr val="accent1"/>
+              </a:solidFill>
+              <a:latin typeface="Verdana" panose="020B0604030504040204"/>
+              <a:ea typeface="Verdana" panose="020B0604030504040204"/>
+              <a:cs typeface="Verdana" panose="020B0604030504040204"/>
+              <a:sym typeface="Verdana" panose="020B0604030504040204"/>
+            </a:endParaRPr>
           </a:p>
         </p:txBody>
       </p:sp>
@@ -20106,6 +20014,15 @@
               </a:rPr>
               <a:t>www.capgemini.com </a:t>
             </a:r>
+            <a:endParaRPr lang="en-US" sz="1400">
+              <a:solidFill>
+                <a:schemeClr val="accent2"/>
+              </a:solidFill>
+              <a:latin typeface="Verdana" panose="020B0604030504040204"/>
+              <a:ea typeface="Verdana" panose="020B0604030504040204"/>
+              <a:cs typeface="Verdana" panose="020B0604030504040204"/>
+              <a:sym typeface="Verdana" panose="020B0604030504040204"/>
+            </a:endParaRPr>
           </a:p>
         </p:txBody>
       </p:sp>
@@ -20414,7 +20331,6 @@
                 <a:cs typeface="Verdana" panose="020B0604030504040204"/>
                 <a:sym typeface="Verdana" panose="020B0604030504040204"/>
               </a:rPr>
-              <a:t>‹#›</a:t>
             </a:fld>
             <a:endParaRPr sz="800">
               <a:solidFill>
@@ -20494,6 +20410,15 @@
               </a:rPr>
               <a:t>|</a:t>
             </a:r>
+            <a:endParaRPr lang="en-US" sz="800" b="0" u="none">
+              <a:solidFill>
+                <a:schemeClr val="accent2"/>
+              </a:solidFill>
+              <a:latin typeface="Verdana" panose="020B0604030504040204"/>
+              <a:ea typeface="Verdana" panose="020B0604030504040204"/>
+              <a:cs typeface="Verdana" panose="020B0604030504040204"/>
+              <a:sym typeface="Verdana" panose="020B0604030504040204"/>
+            </a:endParaRPr>
           </a:p>
         </p:txBody>
       </p:sp>
@@ -20551,6 +20476,15 @@
               </a:rPr>
               <a:t>Presentation Title | Author | Date</a:t>
             </a:r>
+            <a:endParaRPr lang="en-US" sz="800" b="0" u="none">
+              <a:solidFill>
+                <a:srgbClr val="A5A5A5"/>
+              </a:solidFill>
+              <a:latin typeface="Verdana" panose="020B0604030504040204"/>
+              <a:ea typeface="Verdana" panose="020B0604030504040204"/>
+              <a:cs typeface="Verdana" panose="020B0604030504040204"/>
+              <a:sym typeface="Verdana" panose="020B0604030504040204"/>
+            </a:endParaRPr>
           </a:p>
         </p:txBody>
       </p:sp>
@@ -20817,9 +20751,7 @@
               </a:defRPr>
             </a:lvl9pPr>
           </a:lstStyle>
-          <a:p>
-            <a:endParaRPr/>
-          </a:p>
+          <a:p/>
         </p:txBody>
       </p:sp>
       <p:sp>
@@ -20965,9 +20897,7 @@
               <a:defRPr sz="1800"/>
             </a:lvl9pPr>
           </a:lstStyle>
-          <a:p>
-            <a:endParaRPr/>
-          </a:p>
+          <a:p/>
         </p:txBody>
       </p:sp>
     </p:spTree>
@@ -21846,9 +21776,7 @@
               <a:defRPr sz="1800"/>
             </a:lvl9pPr>
           </a:lstStyle>
-          <a:p>
-            <a:endParaRPr/>
-          </a:p>
+          <a:p/>
         </p:txBody>
       </p:sp>
       <p:sp>
@@ -22099,9 +22027,7 @@
               </a:defRPr>
             </a:lvl9pPr>
           </a:lstStyle>
-          <a:p>
-            <a:endParaRPr/>
-          </a:p>
+          <a:p/>
         </p:txBody>
       </p:sp>
       <p:sp>
@@ -22529,6 +22455,15 @@
               </a:rPr>
               <a:t>Copyright © Capgemini 2018. All Rights Reserved</a:t>
             </a:r>
+            <a:endParaRPr lang="en-US" sz="700" b="0" i="0">
+              <a:solidFill>
+                <a:schemeClr val="dk2"/>
+              </a:solidFill>
+              <a:latin typeface="Arial" panose="020B0604020202020204"/>
+              <a:ea typeface="Arial" panose="020B0604020202020204"/>
+              <a:cs typeface="Arial" panose="020B0604020202020204"/>
+              <a:sym typeface="Arial" panose="020B0604020202020204"/>
+            </a:endParaRPr>
           </a:p>
         </p:txBody>
       </p:sp>
@@ -22804,7 +22739,6 @@
                 <a:cs typeface="Arial" panose="020B0604020202020204"/>
                 <a:sym typeface="Arial" panose="020B0604020202020204"/>
               </a:rPr>
-              <a:t>‹#›</a:t>
             </a:fld>
             <a:endParaRPr sz="800">
               <a:solidFill>
@@ -22872,6 +22806,15 @@
               </a:rPr>
               <a:t>PresentationTitle | Author | Date</a:t>
             </a:r>
+            <a:endParaRPr lang="en-US" sz="800">
+              <a:solidFill>
+                <a:srgbClr val="A5A5A5"/>
+              </a:solidFill>
+              <a:latin typeface="Arial" panose="020B0604020202020204"/>
+              <a:ea typeface="Arial" panose="020B0604020202020204"/>
+              <a:cs typeface="Arial" panose="020B0604020202020204"/>
+              <a:sym typeface="Arial" panose="020B0604020202020204"/>
+            </a:endParaRPr>
           </a:p>
         </p:txBody>
       </p:sp>
@@ -24552,13 +24495,7 @@
         <p:nvGraphicFramePr>
           <p:cNvPr id="216" name="Google Shape;216;p1"/>
           <p:cNvGraphicFramePr/>
-          <p:nvPr>
-            <p:extLst>
-              <p:ext uri="{D42A27DB-BD31-4B8C-83A1-F6EECF244321}">
-                <p14:modId xmlns:p14="http://schemas.microsoft.com/office/powerpoint/2010/main" val="586975583"/>
-              </p:ext>
-            </p:extLst>
-          </p:nvPr>
+          <p:nvPr/>
         </p:nvGraphicFramePr>
         <p:xfrm>
           <a:off x="9296400" y="1477645"/>
@@ -24572,20 +24509,8 @@
                 <a:tableStyleId>{F3958360-5B90-4246-8843-5B4384386CDC}</a:tableStyleId>
               </a:tblPr>
               <a:tblGrid>
-                <a:gridCol w="1315085">
-                  <a:extLst>
-                    <a:ext uri="{9D8B030D-6E8A-4147-A177-3AD203B41FA5}">
-                      <a16:colId xmlns:a16="http://schemas.microsoft.com/office/drawing/2014/main" val="20000"/>
-                    </a:ext>
-                  </a:extLst>
-                </a:gridCol>
-                <a:gridCol w="1485900">
-                  <a:extLst>
-                    <a:ext uri="{9D8B030D-6E8A-4147-A177-3AD203B41FA5}">
-                      <a16:colId xmlns:a16="http://schemas.microsoft.com/office/drawing/2014/main" val="20001"/>
-                    </a:ext>
-                  </a:extLst>
-                </a:gridCol>
+                <a:gridCol w="1315085"/>
+                <a:gridCol w="1485900"/>
               </a:tblGrid>
               <a:tr h="1264920">
                 <a:tc>
@@ -24653,6 +24578,7 @@
                         <a:rPr lang="en-US" sz="1100" b="0" u="none" strike="noStrike" cap="none" dirty="0"/>
                         <a:t>Basics, OOPS, Exception Handling ,Arrays ,Collection and Generics,</a:t>
                       </a:r>
+                      <a:endParaRPr lang="en-US" sz="1100" b="0" u="none" strike="noStrike" cap="none" dirty="0"/>
                     </a:p>
                     <a:p>
                       <a:pPr marL="0" marR="0" lvl="0" indent="0" algn="l" rtl="0">
@@ -24676,15 +24602,11 @@
                         <a:rPr lang="en-US" sz="1100" b="0" u="none" strike="noStrike" cap="none" dirty="0"/>
                         <a:t>Delegates and Events, File Io and Serialization.</a:t>
                       </a:r>
+                      <a:endParaRPr lang="en-US" sz="1100" b="0" u="none" strike="noStrike" cap="none" dirty="0"/>
                     </a:p>
                   </a:txBody>
                   <a:tcPr marL="91450" marR="91450" marT="45725" marB="45725"/>
                 </a:tc>
-                <a:extLst>
-                  <a:ext uri="{0D108BD9-81ED-4DB2-BD59-A6C34878D82A}">
-                    <a16:rowId xmlns:a16="http://schemas.microsoft.com/office/drawing/2014/main" val="10000"/>
-                  </a:ext>
-                </a:extLst>
               </a:tr>
               <a:tr h="762000">
                 <a:tc>
@@ -24713,6 +24635,15 @@
                         </a:rPr>
                         <a:t>.NET Framework</a:t>
                       </a:r>
+                      <a:endParaRPr lang="en-US" sz="1100" b="0" i="0" u="none" strike="noStrike" cap="none">
+                        <a:solidFill>
+                          <a:srgbClr val="000000"/>
+                        </a:solidFill>
+                        <a:latin typeface="Verdana" panose="020B0604030504040204"/>
+                        <a:ea typeface="Verdana" panose="020B0604030504040204"/>
+                        <a:cs typeface="Verdana" panose="020B0604030504040204"/>
+                        <a:sym typeface="Verdana" panose="020B0604030504040204"/>
+                      </a:endParaRPr>
                     </a:p>
                   </a:txBody>
                   <a:tcPr marL="91450" marR="91450" marT="45725" marB="45725"/>
@@ -24756,11 +24687,6 @@
                   </a:txBody>
                   <a:tcPr marL="91450" marR="91450" marT="45725" marB="45725"/>
                 </a:tc>
-                <a:extLst>
-                  <a:ext uri="{0D108BD9-81ED-4DB2-BD59-A6C34878D82A}">
-                    <a16:rowId xmlns:a16="http://schemas.microsoft.com/office/drawing/2014/main" val="10001"/>
-                  </a:ext>
-                </a:extLst>
               </a:tr>
               <a:tr h="762000">
                 <a:tc>
@@ -24833,11 +24759,6 @@
                   </a:txBody>
                   <a:tcPr marL="91450" marR="91450" marT="45725" marB="45725"/>
                 </a:tc>
-                <a:extLst>
-                  <a:ext uri="{0D108BD9-81ED-4DB2-BD59-A6C34878D82A}">
-                    <a16:rowId xmlns:a16="http://schemas.microsoft.com/office/drawing/2014/main" val="10002"/>
-                  </a:ext>
-                </a:extLst>
               </a:tr>
               <a:tr h="259080">
                 <a:tc>
@@ -24874,6 +24795,15 @@
                         </a:rPr>
                         <a:t>Database</a:t>
                       </a:r>
+                      <a:endParaRPr lang="en-US" sz="1100" b="0" i="0" u="none" strike="noStrike" cap="none">
+                        <a:solidFill>
+                          <a:srgbClr val="000000"/>
+                        </a:solidFill>
+                        <a:latin typeface="Verdana" panose="020B0604030504040204"/>
+                        <a:ea typeface="Verdana" panose="020B0604030504040204"/>
+                        <a:cs typeface="Verdana" panose="020B0604030504040204"/>
+                        <a:sym typeface="Verdana" panose="020B0604030504040204"/>
+                      </a:endParaRPr>
                     </a:p>
                   </a:txBody>
                   <a:tcPr marL="91450" marR="91450" marT="45725" marB="45725"/>
@@ -24904,15 +24834,19 @@
                         </a:rPr>
                         <a:t> SQL</a:t>
                       </a:r>
+                      <a:endParaRPr lang="en-US" sz="1100" b="0" i="0" u="none" strike="noStrike" cap="none">
+                        <a:solidFill>
+                          <a:srgbClr val="000000"/>
+                        </a:solidFill>
+                        <a:latin typeface="Verdana" panose="020B0604030504040204"/>
+                        <a:ea typeface="Verdana" panose="020B0604030504040204"/>
+                        <a:cs typeface="Verdana" panose="020B0604030504040204"/>
+                        <a:sym typeface="Verdana" panose="020B0604030504040204"/>
+                      </a:endParaRPr>
                     </a:p>
                   </a:txBody>
                   <a:tcPr marL="91450" marR="91450" marT="45725" marB="45725"/>
                 </a:tc>
-                <a:extLst>
-                  <a:ext uri="{0D108BD9-81ED-4DB2-BD59-A6C34878D82A}">
-                    <a16:rowId xmlns:a16="http://schemas.microsoft.com/office/drawing/2014/main" val="10003"/>
-                  </a:ext>
-                </a:extLst>
               </a:tr>
               <a:tr h="426720">
                 <a:tc>
@@ -24941,6 +24875,7 @@
                         <a:rPr lang="en-US" sz="1100" u="none" strike="noStrike" cap="none"/>
                         <a:t>Tools</a:t>
                       </a:r>
+                      <a:endParaRPr lang="en-US" sz="1100" u="none" strike="noStrike" cap="none"/>
                     </a:p>
                     <a:p>
                       <a:pPr marL="0" marR="0" lvl="0" indent="0" algn="l" rtl="0">
@@ -25003,15 +24938,15 @@
                         </a:rPr>
                         <a:t>, Swagger</a:t>
                       </a:r>
+                      <a:endParaRPr lang="en-IN" altLang="en-US" sz="1100" dirty="0">
+                        <a:solidFill>
+                          <a:schemeClr val="dk1"/>
+                        </a:solidFill>
+                      </a:endParaRPr>
                     </a:p>
                   </a:txBody>
                   <a:tcPr marL="91450" marR="91450" marT="45725" marB="45725"/>
                 </a:tc>
-                <a:extLst>
-                  <a:ext uri="{0D108BD9-81ED-4DB2-BD59-A6C34878D82A}">
-                    <a16:rowId xmlns:a16="http://schemas.microsoft.com/office/drawing/2014/main" val="10004"/>
-                  </a:ext>
-                </a:extLst>
               </a:tr>
               <a:tr h="426720">
                 <a:tc>
@@ -25040,6 +24975,15 @@
                         </a:rPr>
                         <a:t>UI Technology</a:t>
                       </a:r>
+                      <a:endParaRPr lang="en-US" sz="1100" b="0" i="0" u="none" strike="noStrike" cap="none">
+                        <a:solidFill>
+                          <a:srgbClr val="000000"/>
+                        </a:solidFill>
+                        <a:latin typeface="Verdana" panose="020B0604030504040204"/>
+                        <a:ea typeface="Verdana" panose="020B0604030504040204"/>
+                        <a:cs typeface="Verdana" panose="020B0604030504040204"/>
+                        <a:sym typeface="Verdana" panose="020B0604030504040204"/>
+                      </a:endParaRPr>
                     </a:p>
                   </a:txBody>
                   <a:tcPr marL="91450" marR="91450" marT="45725" marB="45725"/>
@@ -25074,15 +25018,15 @@
                         </a:rPr>
                         <a:t>HTML5 ,CSS &amp; Angular</a:t>
                       </a:r>
+                      <a:endParaRPr lang="en-US" sz="1100">
+                        <a:solidFill>
+                          <a:schemeClr val="dk1"/>
+                        </a:solidFill>
+                      </a:endParaRPr>
                     </a:p>
                   </a:txBody>
                   <a:tcPr marL="91450" marR="91450" marT="45725" marB="45725"/>
                 </a:tc>
-                <a:extLst>
-                  <a:ext uri="{0D108BD9-81ED-4DB2-BD59-A6C34878D82A}">
-                    <a16:rowId xmlns:a16="http://schemas.microsoft.com/office/drawing/2014/main" val="10005"/>
-                  </a:ext>
-                </a:extLst>
               </a:tr>
               <a:tr h="594360">
                 <a:tc>
@@ -25111,6 +25055,15 @@
                         </a:rPr>
                         <a:t>Add On Skills</a:t>
                       </a:r>
+                      <a:endParaRPr lang="en-US" sz="1100" b="0" i="0" u="none" strike="noStrike" cap="none">
+                        <a:solidFill>
+                          <a:srgbClr val="000000"/>
+                        </a:solidFill>
+                        <a:latin typeface="Verdana" panose="020B0604030504040204"/>
+                        <a:ea typeface="Verdana" panose="020B0604030504040204"/>
+                        <a:cs typeface="Verdana" panose="020B0604030504040204"/>
+                        <a:sym typeface="Verdana" panose="020B0604030504040204"/>
+                      </a:endParaRPr>
                     </a:p>
                   </a:txBody>
                   <a:tcPr marL="91450" marR="91450" marT="45725" marB="45725"/>
@@ -25141,15 +25094,19 @@
                         </a:rPr>
                         <a:t>Communication Skills, Team Management</a:t>
                       </a:r>
+                      <a:endParaRPr lang="en-US" sz="1100" b="0" i="0" u="none" strike="noStrike" cap="none" dirty="0">
+                        <a:solidFill>
+                          <a:srgbClr val="000000"/>
+                        </a:solidFill>
+                        <a:latin typeface="Verdana" panose="020B0604030504040204"/>
+                        <a:ea typeface="Verdana" panose="020B0604030504040204"/>
+                        <a:cs typeface="Verdana" panose="020B0604030504040204"/>
+                        <a:sym typeface="Verdana" panose="020B0604030504040204"/>
+                      </a:endParaRPr>
                     </a:p>
                   </a:txBody>
                   <a:tcPr marL="91450" marR="91450" marT="45725" marB="45725"/>
                 </a:tc>
-                <a:extLst>
-                  <a:ext uri="{0D108BD9-81ED-4DB2-BD59-A6C34878D82A}">
-                    <a16:rowId xmlns:a16="http://schemas.microsoft.com/office/drawing/2014/main" val="10006"/>
-                  </a:ext>
-                </a:extLst>
               </a:tr>
             </a:tbl>
           </a:graphicData>
@@ -25260,6 +25217,15 @@
               </a:rPr>
               <a:t> The traditional way of booking a ticket is very time-consuming and cancellation is also a long process. The existing system has Latency while we search for train details. The existing system also gets crashed many times while booking a ticket. So, we will design a system which will enable the booking in any class, and a maximum of six berths/seats at a time, for a journey between any two stations served by a train.</a:t>
             </a:r>
+            <a:endParaRPr lang="en-IN" altLang="en-US" sz="1200" dirty="0">
+              <a:solidFill>
+                <a:srgbClr val="242424"/>
+              </a:solidFill>
+              <a:latin typeface="+mn-lt"/>
+              <a:ea typeface="Times New Roman" panose="02020603050405020304"/>
+              <a:cs typeface="Times New Roman" panose="02020603050405020304" pitchFamily="18" charset="0"/>
+              <a:sym typeface="Times New Roman" panose="02020603050405020304"/>
+            </a:endParaRPr>
           </a:p>
           <a:p>
             <a:pPr marL="0" lvl="0" indent="0" algn="l" rtl="0">
@@ -25339,6 +25305,15 @@
               </a:rPr>
               <a:t>ANGULAR </a:t>
             </a:r>
+            <a:endParaRPr lang="en-US" b="1" dirty="0">
+              <a:solidFill>
+                <a:srgbClr val="242424"/>
+              </a:solidFill>
+              <a:latin typeface="+mn-lt"/>
+              <a:ea typeface="Times New Roman" panose="02020603050405020304"/>
+              <a:cs typeface="Times New Roman" panose="02020603050405020304" pitchFamily="18" charset="0"/>
+              <a:sym typeface="Times New Roman" panose="02020603050405020304"/>
+            </a:endParaRPr>
           </a:p>
           <a:p>
             <a:pPr marL="171450" lvl="0" indent="-171450" algn="just" rtl="0">
@@ -25370,6 +25345,15 @@
               </a:rPr>
               <a:t>ASP.NET CORE </a:t>
             </a:r>
+            <a:endParaRPr lang="en-US" b="1" dirty="0">
+              <a:solidFill>
+                <a:srgbClr val="242424"/>
+              </a:solidFill>
+              <a:latin typeface="+mn-lt"/>
+              <a:ea typeface="Times New Roman" panose="02020603050405020304"/>
+              <a:cs typeface="Times New Roman" panose="02020603050405020304" pitchFamily="18" charset="0"/>
+              <a:sym typeface="Times New Roman" panose="02020603050405020304"/>
+            </a:endParaRPr>
           </a:p>
           <a:p>
             <a:pPr marL="171450" lvl="0" indent="-171450" algn="just" rtl="0">
@@ -25401,6 +25385,15 @@
               </a:rPr>
               <a:t>Microsoft SQL Server</a:t>
             </a:r>
+            <a:endParaRPr lang="en-US" b="1" dirty="0">
+              <a:solidFill>
+                <a:srgbClr val="242424"/>
+              </a:solidFill>
+              <a:latin typeface="+mn-lt"/>
+              <a:ea typeface="Times New Roman" panose="02020603050405020304"/>
+              <a:cs typeface="Times New Roman" panose="02020603050405020304" pitchFamily="18" charset="0"/>
+              <a:sym typeface="Times New Roman" panose="02020603050405020304"/>
+            </a:endParaRPr>
           </a:p>
           <a:p>
             <a:pPr marL="0" lvl="0" indent="0" algn="just" rtl="0">
@@ -25439,7 +25432,7 @@
                 <a:ea typeface="Times New Roman" panose="02020603050405020304"/>
                 <a:cs typeface="Times New Roman" panose="02020603050405020304" pitchFamily="18" charset="0"/>
                 <a:sym typeface="Times New Roman" panose="02020603050405020304"/>
-                <a:hlinkClick r:id="rId3"/>
+                <a:hlinkClick r:id="rId1"/>
               </a:rPr>
               <a:t>Link</a:t>
             </a:r>
@@ -25470,33 +25463,14 @@
               <a:buSzPts val="1000"/>
               <a:buNone/>
             </a:pPr>
-            <a:endParaRPr lang="en-US" b="1" dirty="0">
-              <a:solidFill>
-                <a:srgbClr val="242424"/>
-              </a:solidFill>
-              <a:latin typeface="+mn-lt"/>
-              <a:ea typeface="Times New Roman" panose="02020603050405020304"/>
-              <a:cs typeface="Times New Roman" panose="02020603050405020304" pitchFamily="18" charset="0"/>
-              <a:sym typeface="Times New Roman" panose="02020603050405020304"/>
-            </a:endParaRPr>
-          </a:p>
-          <a:p>
-            <a:pPr marL="0" lvl="0" indent="228600" algn="just" rtl="0">
-              <a:lnSpc>
-                <a:spcPct val="100000"/>
-              </a:lnSpc>
-              <a:spcBef>
-                <a:spcPts val="1000"/>
-              </a:spcBef>
-              <a:spcAft>
-                <a:spcPts val="0"/>
-              </a:spcAft>
-              <a:buClr>
-                <a:schemeClr val="dk1"/>
-              </a:buClr>
-              <a:buSzPts val="1000"/>
-              <a:buNone/>
-            </a:pPr>
+            <a:r>
+              <a:rPr lang="en-IN" altLang="en-US" dirty="0">
+                <a:latin typeface="+mn-lt"/>
+                <a:cs typeface="Times New Roman" panose="02020603050405020304" pitchFamily="18" charset="0"/>
+                <a:sym typeface="Verdana" panose="020B0604030504040204"/>
+              </a:rPr>
+              <a:t>- Backend </a:t>
+            </a:r>
             <a:r>
               <a:rPr lang="en-US" dirty="0">
                 <a:latin typeface="+mn-lt"/>
@@ -25510,7 +25484,48 @@
                 <a:latin typeface="+mn-lt"/>
                 <a:cs typeface="Times New Roman" panose="02020603050405020304" pitchFamily="18" charset="0"/>
                 <a:sym typeface="Verdana" panose="020B0604030504040204"/>
-                <a:hlinkClick r:id="rId4" action="ppaction://hlinkfile"/>
+                <a:hlinkClick r:id="rId2" action="ppaction://hlinkfile"/>
+              </a:rPr>
+              <a:t>Link</a:t>
+            </a:r>
+            <a:endParaRPr lang="en-US" dirty="0">
+              <a:latin typeface="+mn-lt"/>
+              <a:cs typeface="Times New Roman" panose="02020603050405020304" pitchFamily="18" charset="0"/>
+              <a:sym typeface="Verdana" panose="020B0604030504040204"/>
+              <a:hlinkClick r:id="rId2" action="ppaction://hlinkfile"/>
+            </a:endParaRPr>
+          </a:p>
+          <a:p>
+            <a:pPr marL="0" lvl="0" indent="228600" algn="just" rtl="0">
+              <a:lnSpc>
+                <a:spcPct val="100000"/>
+              </a:lnSpc>
+              <a:spcBef>
+                <a:spcPts val="1000"/>
+              </a:spcBef>
+              <a:spcAft>
+                <a:spcPts val="0"/>
+              </a:spcAft>
+              <a:buClr>
+                <a:schemeClr val="dk1"/>
+              </a:buClr>
+              <a:buSzPts val="1000"/>
+              <a:buNone/>
+            </a:pPr>
+            <a:r>
+              <a:rPr lang="en-IN" altLang="en-US" dirty="0">
+                <a:latin typeface="+mn-lt"/>
+                <a:cs typeface="Times New Roman" panose="02020603050405020304" pitchFamily="18" charset="0"/>
+                <a:sym typeface="Verdana" panose="020B0604030504040204"/>
+              </a:rPr>
+              <a:t>- Frontend - </a:t>
+            </a:r>
+            <a:r>
+              <a:rPr lang="en-IN" altLang="en-US" dirty="0">
+                <a:latin typeface="+mn-lt"/>
+                <a:cs typeface="Times New Roman" panose="02020603050405020304" pitchFamily="18" charset="0"/>
+                <a:sym typeface="Verdana" panose="020B0604030504040204"/>
+                <a:hlinkClick r:id="rId3" tooltip="" action="ppaction://hlinkfile"/>
               </a:rPr>
               <a:t>Link</a:t>
             </a:r>
@@ -25665,6 +25680,10 @@
               </a:rPr>
               <a:t>https://github.com/sdsameer07</a:t>
             </a:r>
+            <a:endParaRPr lang="en-US" dirty="0">
+              <a:latin typeface="+mn-lt"/>
+              <a:cs typeface="Times New Roman" panose="02020603050405020304" pitchFamily="18" charset="0"/>
+            </a:endParaRPr>
           </a:p>
           <a:p>
             <a:pPr marL="0" lvl="0" indent="0" algn="l" rtl="0">
@@ -25952,6 +25971,10 @@
               </a:rPr>
               <a:t>Analyst/Software Engineer</a:t>
             </a:r>
+            <a:endParaRPr lang="en-US" dirty="0">
+              <a:latin typeface="+mn-lt"/>
+              <a:cs typeface="Times New Roman" panose="02020603050405020304" pitchFamily="18" charset="0"/>
+            </a:endParaRPr>
           </a:p>
         </p:txBody>
       </p:sp>
@@ -26007,6 +26030,10 @@
               </a:rPr>
               <a:t>shubham.raj@capgemini.com</a:t>
             </a:r>
+            <a:endParaRPr lang="en-IN" altLang="en-US" dirty="0">
+              <a:latin typeface="+mn-lt"/>
+              <a:cs typeface="Times New Roman" panose="02020603050405020304" pitchFamily="18" charset="0"/>
+            </a:endParaRPr>
           </a:p>
         </p:txBody>
       </p:sp>
@@ -26069,6 +26096,10 @@
               </a:rPr>
               <a:t>8521209760</a:t>
             </a:r>
+            <a:endParaRPr lang="en-IN" altLang="en-US">
+              <a:latin typeface="+mn-lt"/>
+              <a:cs typeface="Times New Roman" panose="02020603050405020304" pitchFamily="18" charset="0"/>
+            </a:endParaRPr>
           </a:p>
         </p:txBody>
       </p:sp>
@@ -26124,6 +26155,10 @@
               </a:rPr>
               <a:t>Full Stack Developer</a:t>
             </a:r>
+            <a:endParaRPr lang="en-US" sz="1100" b="1" dirty="0">
+              <a:latin typeface="+mn-lt"/>
+              <a:cs typeface="Times New Roman" panose="02020603050405020304" pitchFamily="18" charset="0"/>
+            </a:endParaRPr>
           </a:p>
           <a:p>
             <a:pPr marL="171450" lvl="0" indent="-171450" algn="l" rtl="0">
@@ -26171,6 +26206,10 @@
               </a:rPr>
               <a:t>SQL Server.</a:t>
             </a:r>
+            <a:endParaRPr lang="en-US" b="1" dirty="0">
+              <a:latin typeface="+mn-lt"/>
+              <a:cs typeface="Times New Roman" panose="02020603050405020304" pitchFamily="18" charset="0"/>
+            </a:endParaRPr>
           </a:p>
           <a:p>
             <a:pPr marL="171450" lvl="0" indent="-171450" algn="l" rtl="0">
@@ -26246,6 +26285,10 @@
               </a:rPr>
               <a:t>SQL Server</a:t>
             </a:r>
+            <a:endParaRPr lang="en-US" b="1" dirty="0">
+              <a:latin typeface="+mn-lt"/>
+              <a:cs typeface="Times New Roman" panose="02020603050405020304" pitchFamily="18" charset="0"/>
+            </a:endParaRPr>
           </a:p>
           <a:p>
             <a:pPr marL="171450" lvl="0" indent="-171450" algn="l" rtl="0">
@@ -26293,6 +26336,10 @@
               </a:rPr>
               <a:t>ADO.NET Core</a:t>
             </a:r>
+            <a:endParaRPr lang="en-US" b="1" dirty="0">
+              <a:latin typeface="+mn-lt"/>
+              <a:cs typeface="Times New Roman" panose="02020603050405020304" pitchFamily="18" charset="0"/>
+            </a:endParaRPr>
           </a:p>
           <a:p>
             <a:pPr marL="171450" lvl="0" indent="-171450" algn="l" rtl="0">
@@ -26384,6 +26431,10 @@
               </a:rPr>
               <a:t> Angular CLI.</a:t>
             </a:r>
+            <a:endParaRPr lang="en-US" b="1" dirty="0">
+              <a:latin typeface="+mn-lt"/>
+              <a:cs typeface="Times New Roman" panose="02020603050405020304" pitchFamily="18" charset="0"/>
+            </a:endParaRPr>
           </a:p>
           <a:p>
             <a:pPr marL="171450" lvl="0" indent="-107950" algn="l" rtl="0">
@@ -26529,19 +26580,23 @@
               </a:rPr>
               <a:t>Shubham Raj</a:t>
             </a:r>
+            <a:endParaRPr lang="en-IN" altLang="en-US" dirty="0">
+              <a:latin typeface="+mn-lt"/>
+              <a:cs typeface="Times New Roman" panose="02020603050405020304" pitchFamily="18" charset="0"/>
+            </a:endParaRPr>
           </a:p>
         </p:txBody>
       </p:sp>
       <p:pic>
         <p:nvPicPr>
           <p:cNvPr id="223" name="Google Shape;223;p1">
-            <a:hlinkClick r:id="rId5"/>
+            <a:hlinkClick r:id="rId4"/>
           </p:cNvPr>
           <p:cNvPicPr preferRelativeResize="0"/>
           <p:nvPr/>
         </p:nvPicPr>
         <p:blipFill rotWithShape="1">
-          <a:blip r:embed="rId6"/>
+          <a:blip r:embed="rId5"/>
           <a:srcRect l="23582" t="2057" r="24331" b="4875"/>
           <a:stretch>
             <a:fillRect/>
@@ -26549,7 +26604,7 @@
         </p:blipFill>
         <p:spPr>
           <a:xfrm>
-            <a:off x="4610100" y="6196828"/>
+            <a:off x="4457700" y="6057128"/>
             <a:ext cx="441007" cy="471488"/>
           </a:xfrm>
           <a:prstGeom prst="rect">
@@ -26615,6 +26670,15 @@
               </a:rPr>
               <a:t>A4</a:t>
             </a:r>
+            <a:endParaRPr lang="en-US" sz="1100" b="0" i="0" u="none" strike="noStrike" cap="none" dirty="0">
+              <a:solidFill>
+                <a:srgbClr val="FFFFFF"/>
+              </a:solidFill>
+              <a:latin typeface="+mn-lt"/>
+              <a:ea typeface="Verdana" panose="020B0604030504040204"/>
+              <a:cs typeface="Times New Roman" panose="02020603050405020304" pitchFamily="18" charset="0"/>
+              <a:sym typeface="Verdana" panose="020B0604030504040204"/>
+            </a:endParaRPr>
           </a:p>
         </p:txBody>
       </p:sp>
@@ -26762,6 +26826,15 @@
               </a:rPr>
               <a:t>2018-22</a:t>
             </a:r>
+            <a:endParaRPr lang="en-US" sz="1000">
+              <a:solidFill>
+                <a:schemeClr val="dk1"/>
+              </a:solidFill>
+              <a:latin typeface="+mn-lt"/>
+              <a:ea typeface="Verdana" panose="020B0604030504040204"/>
+              <a:cs typeface="Times New Roman" panose="02020603050405020304" pitchFamily="18" charset="0"/>
+              <a:sym typeface="Verdana" panose="020B0604030504040204"/>
+            </a:endParaRPr>
           </a:p>
           <a:p>
             <a:pPr marL="0" marR="0" lvl="0" indent="0" algn="l" rtl="0">
@@ -26865,7 +26938,7 @@
           </p:nvPr>
         </p:nvPicPr>
         <p:blipFill rotWithShape="1">
-          <a:blip r:embed="rId7"/>
+          <a:blip r:embed="rId6"/>
           <a:srcRect/>
           <a:stretch>
             <a:fillRect/>
@@ -26933,6 +27006,15 @@
               </a:rPr>
               <a:t>MUMBAI</a:t>
             </a:r>
+            <a:endParaRPr lang="en-US" sz="1400" b="1">
+              <a:solidFill>
+                <a:schemeClr val="lt1"/>
+              </a:solidFill>
+              <a:latin typeface="+mn-lt"/>
+              <a:ea typeface="Verdana" panose="020B0604030504040204"/>
+              <a:cs typeface="Times New Roman" panose="02020603050405020304" pitchFamily="18" charset="0"/>
+              <a:sym typeface="Verdana" panose="020B0604030504040204"/>
+            </a:endParaRPr>
           </a:p>
         </p:txBody>
       </p:sp>
@@ -27220,8 +27302,6 @@
       </a:bgFillStyleLst>
     </a:fmtScheme>
   </a:themeElements>
-  <a:objectDefaults/>
-  <a:extraClrSchemeLst/>
   <a:extLst>
     <a:ext uri="{05A4C25C-085E-4340-85A3-A5531E510DB2}">
       <thm15:themeFamily xmlns:thm15="http://schemas.microsoft.com/office/thememl/2012/main" name="Office Theme" id="{62F939B6-93AF-4DB8-9C6B-D6C7DFDC589F}" vid="{4A3C46E8-61CC-4603-A589-7422A47A8E4A}"/>
@@ -27506,8 +27586,6 @@
       </a:bgFillStyleLst>
     </a:fmtScheme>
   </a:themeElements>
-  <a:objectDefaults/>
-  <a:extraClrSchemeLst/>
   <a:extLst>
     <a:ext uri="{05A4C25C-085E-4340-85A3-A5531E510DB2}">
       <thm15:themeFamily xmlns:thm15="http://schemas.microsoft.com/office/thememl/2012/main" name="Office Theme" id="{62F939B6-93AF-4DB8-9C6B-D6C7DFDC589F}" vid="{4A3C46E8-61CC-4603-A589-7422A47A8E4A}"/>
@@ -27792,8 +27870,6 @@
       </a:bgFillStyleLst>
     </a:fmtScheme>
   </a:themeElements>
-  <a:objectDefaults/>
-  <a:extraClrSchemeLst/>
   <a:extLst>
     <a:ext uri="{05A4C25C-085E-4340-85A3-A5531E510DB2}">
       <thm15:themeFamily xmlns:thm15="http://schemas.microsoft.com/office/thememl/2012/main" name="Office Theme" id="{62F939B6-93AF-4DB8-9C6B-D6C7DFDC589F}" vid="{4A3C46E8-61CC-4603-A589-7422A47A8E4A}"/>
